--- a/01答辩.pptx
+++ b/01答辩.pptx
@@ -7728,36 +7728,6 @@
           </a:p>
         </p:txBody>
       </p:sp>
-      <p:pic>
-        <p:nvPicPr>
-          <p:cNvPr id="6" name="图片 5">
-            <a:extLst>
-              <a:ext uri="{FF2B5EF4-FFF2-40B4-BE49-F238E27FC236}">
-                <a16:creationId xmlns:a16="http://schemas.microsoft.com/office/drawing/2014/main" id="{F1B65F81-7276-40CE-9597-906B9E224AB6}"/>
-              </a:ext>
-            </a:extLst>
-          </p:cNvPr>
-          <p:cNvPicPr>
-            <a:picLocks noChangeAspect="1"/>
-          </p:cNvPicPr>
-          <p:nvPr/>
-        </p:nvPicPr>
-        <p:blipFill>
-          <a:blip r:embed="rId2"/>
-          <a:stretch>
-            <a:fillRect/>
-          </a:stretch>
-        </p:blipFill>
-        <p:spPr>
-          <a:xfrm>
-            <a:off x="973551" y="1923568"/>
-            <a:ext cx="6834908" cy="5383983"/>
-          </a:xfrm>
-          <a:prstGeom prst="rect">
-            <a:avLst/>
-          </a:prstGeom>
-        </p:spPr>
-      </p:pic>
       <p:sp>
         <p:nvSpPr>
           <p:cNvPr id="7" name="文本框 6">
@@ -7772,7 +7742,7 @@
         </p:nvSpPr>
         <p:spPr>
           <a:xfrm>
-            <a:off x="8377382" y="3271982"/>
+            <a:off x="8820727" y="3429000"/>
             <a:ext cx="2632363" cy="1477328"/>
           </a:xfrm>
           <a:prstGeom prst="rect">
@@ -7841,6 +7811,4697 @@
           </a:p>
         </p:txBody>
       </p:sp>
+      <p:graphicFrame>
+        <p:nvGraphicFramePr>
+          <p:cNvPr id="8" name="表格 7">
+            <a:extLst>
+              <a:ext uri="{FF2B5EF4-FFF2-40B4-BE49-F238E27FC236}">
+                <a16:creationId xmlns:a16="http://schemas.microsoft.com/office/drawing/2014/main" id="{124BAD13-B1C0-4781-BE19-907FA00A5B99}"/>
+              </a:ext>
+            </a:extLst>
+          </p:cNvPr>
+          <p:cNvGraphicFramePr>
+            <a:graphicFrameLocks noGrp="1"/>
+          </p:cNvGraphicFramePr>
+          <p:nvPr>
+            <p:extLst>
+              <p:ext uri="{D42A27DB-BD31-4B8C-83A1-F6EECF244321}">
+                <p14:modId xmlns:p14="http://schemas.microsoft.com/office/powerpoint/2010/main" val="2923952910"/>
+              </p:ext>
+            </p:extLst>
+          </p:nvPr>
+        </p:nvGraphicFramePr>
+        <p:xfrm>
+          <a:off x="969817" y="2350107"/>
+          <a:ext cx="7305964" cy="3764366"/>
+        </p:xfrm>
+        <a:graphic>
+          <a:graphicData uri="http://schemas.openxmlformats.org/drawingml/2006/table">
+            <a:tbl>
+              <a:tblPr firstRow="1" firstCol="1" bandRow="1"/>
+              <a:tblGrid>
+                <a:gridCol w="887587">
+                  <a:extLst>
+                    <a:ext uri="{9D8B030D-6E8A-4147-A177-3AD203B41FA5}">
+                      <a16:colId xmlns:a16="http://schemas.microsoft.com/office/drawing/2014/main" val="3735351482"/>
+                    </a:ext>
+                  </a:extLst>
+                </a:gridCol>
+                <a:gridCol w="994154">
+                  <a:extLst>
+                    <a:ext uri="{9D8B030D-6E8A-4147-A177-3AD203B41FA5}">
+                      <a16:colId xmlns:a16="http://schemas.microsoft.com/office/drawing/2014/main" val="4007579281"/>
+                    </a:ext>
+                  </a:extLst>
+                </a:gridCol>
+                <a:gridCol w="898316">
+                  <a:extLst>
+                    <a:ext uri="{9D8B030D-6E8A-4147-A177-3AD203B41FA5}">
+                      <a16:colId xmlns:a16="http://schemas.microsoft.com/office/drawing/2014/main" val="2748231192"/>
+                    </a:ext>
+                  </a:extLst>
+                </a:gridCol>
+                <a:gridCol w="1137199">
+                  <a:extLst>
+                    <a:ext uri="{9D8B030D-6E8A-4147-A177-3AD203B41FA5}">
+                      <a16:colId xmlns:a16="http://schemas.microsoft.com/office/drawing/2014/main" val="213912795"/>
+                    </a:ext>
+                  </a:extLst>
+                </a:gridCol>
+                <a:gridCol w="853256">
+                  <a:extLst>
+                    <a:ext uri="{9D8B030D-6E8A-4147-A177-3AD203B41FA5}">
+                      <a16:colId xmlns:a16="http://schemas.microsoft.com/office/drawing/2014/main" val="62165485"/>
+                    </a:ext>
+                  </a:extLst>
+                </a:gridCol>
+                <a:gridCol w="745974">
+                  <a:extLst>
+                    <a:ext uri="{9D8B030D-6E8A-4147-A177-3AD203B41FA5}">
+                      <a16:colId xmlns:a16="http://schemas.microsoft.com/office/drawing/2014/main" val="3944491639"/>
+                    </a:ext>
+                  </a:extLst>
+                </a:gridCol>
+                <a:gridCol w="868276">
+                  <a:extLst>
+                    <a:ext uri="{9D8B030D-6E8A-4147-A177-3AD203B41FA5}">
+                      <a16:colId xmlns:a16="http://schemas.microsoft.com/office/drawing/2014/main" val="3486181626"/>
+                    </a:ext>
+                  </a:extLst>
+                </a:gridCol>
+                <a:gridCol w="921202">
+                  <a:extLst>
+                    <a:ext uri="{9D8B030D-6E8A-4147-A177-3AD203B41FA5}">
+                      <a16:colId xmlns:a16="http://schemas.microsoft.com/office/drawing/2014/main" val="3021267263"/>
+                    </a:ext>
+                  </a:extLst>
+                </a:gridCol>
+              </a:tblGrid>
+              <a:tr h="282440">
+                <a:tc>
+                  <a:txBody>
+                    <a:bodyPr/>
+                    <a:lstStyle/>
+                    <a:p>
+                      <a:pPr algn="ctr">
+                        <a:lnSpc>
+                          <a:spcPct val="130000"/>
+                        </a:lnSpc>
+                        <a:spcAft>
+                          <a:spcPts val="0"/>
+                        </a:spcAft>
+                      </a:pPr>
+                      <a:r>
+                        <a:rPr lang="zh-CN" sz="1200" b="1" kern="100">
+                          <a:effectLst/>
+                          <a:latin typeface="Times New Roman" panose="02020603050405020304" pitchFamily="18" charset="0"/>
+                          <a:ea typeface="宋体" panose="02010600030101010101" pitchFamily="2" charset="-122"/>
+                          <a:cs typeface="Times New Roman" panose="02020603050405020304" pitchFamily="18" charset="0"/>
+                        </a:rPr>
+                        <a:t>单词名称</a:t>
+                      </a:r>
+                      <a:endParaRPr lang="zh-CN" sz="1200" kern="100">
+                        <a:effectLst/>
+                        <a:latin typeface="Times New Roman" panose="02020603050405020304" pitchFamily="18" charset="0"/>
+                        <a:ea typeface="宋体" panose="02010600030101010101" pitchFamily="2" charset="-122"/>
+                        <a:cs typeface="Times New Roman" panose="02020603050405020304" pitchFamily="18" charset="0"/>
+                      </a:endParaRPr>
+                    </a:p>
+                  </a:txBody>
+                  <a:tcPr marL="68580" marR="68580" marT="0" marB="0" anchor="ctr">
+                    <a:lnL>
+                      <a:noFill/>
+                    </a:lnL>
+                    <a:lnR>
+                      <a:noFill/>
+                    </a:lnR>
+                    <a:lnT w="19050" cap="flat" cmpd="sng" algn="ctr">
+                      <a:solidFill>
+                        <a:srgbClr val="000000"/>
+                      </a:solidFill>
+                      <a:prstDash val="solid"/>
+                      <a:round/>
+                      <a:headEnd type="none" w="med" len="med"/>
+                      <a:tailEnd type="none" w="med" len="med"/>
+                    </a:lnT>
+                    <a:lnB w="12700" cap="flat" cmpd="sng" algn="ctr">
+                      <a:solidFill>
+                        <a:srgbClr val="000000"/>
+                      </a:solidFill>
+                      <a:prstDash val="solid"/>
+                      <a:round/>
+                      <a:headEnd type="none" w="med" len="med"/>
+                      <a:tailEnd type="none" w="med" len="med"/>
+                    </a:lnB>
+                  </a:tcPr>
+                </a:tc>
+                <a:tc>
+                  <a:txBody>
+                    <a:bodyPr/>
+                    <a:lstStyle/>
+                    <a:p>
+                      <a:pPr algn="ctr">
+                        <a:lnSpc>
+                          <a:spcPct val="130000"/>
+                        </a:lnSpc>
+                        <a:spcAft>
+                          <a:spcPts val="0"/>
+                        </a:spcAft>
+                      </a:pPr>
+                      <a:r>
+                        <a:rPr lang="zh-CN" sz="1200" b="1" kern="100">
+                          <a:effectLst/>
+                          <a:latin typeface="Times New Roman" panose="02020603050405020304" pitchFamily="18" charset="0"/>
+                          <a:ea typeface="宋体" panose="02010600030101010101" pitchFamily="2" charset="-122"/>
+                          <a:cs typeface="Times New Roman" panose="02020603050405020304" pitchFamily="18" charset="0"/>
+                        </a:rPr>
+                        <a:t>类别码</a:t>
+                      </a:r>
+                      <a:endParaRPr lang="zh-CN" sz="1200" kern="100">
+                        <a:effectLst/>
+                        <a:latin typeface="Times New Roman" panose="02020603050405020304" pitchFamily="18" charset="0"/>
+                        <a:ea typeface="宋体" panose="02010600030101010101" pitchFamily="2" charset="-122"/>
+                        <a:cs typeface="Times New Roman" panose="02020603050405020304" pitchFamily="18" charset="0"/>
+                      </a:endParaRPr>
+                    </a:p>
+                  </a:txBody>
+                  <a:tcPr marL="68580" marR="68580" marT="0" marB="0" anchor="ctr">
+                    <a:lnL>
+                      <a:noFill/>
+                    </a:lnL>
+                    <a:lnR w="12700" cap="flat" cmpd="sng" algn="ctr">
+                      <a:solidFill>
+                        <a:srgbClr val="000000"/>
+                      </a:solidFill>
+                      <a:prstDash val="solid"/>
+                      <a:round/>
+                      <a:headEnd type="none" w="med" len="med"/>
+                      <a:tailEnd type="none" w="med" len="med"/>
+                    </a:lnR>
+                    <a:lnT w="19050" cap="flat" cmpd="sng" algn="ctr">
+                      <a:solidFill>
+                        <a:srgbClr val="000000"/>
+                      </a:solidFill>
+                      <a:prstDash val="solid"/>
+                      <a:round/>
+                      <a:headEnd type="none" w="med" len="med"/>
+                      <a:tailEnd type="none" w="med" len="med"/>
+                    </a:lnT>
+                    <a:lnB w="12700" cap="flat" cmpd="sng" algn="ctr">
+                      <a:solidFill>
+                        <a:srgbClr val="000000"/>
+                      </a:solidFill>
+                      <a:prstDash val="solid"/>
+                      <a:round/>
+                      <a:headEnd type="none" w="med" len="med"/>
+                      <a:tailEnd type="none" w="med" len="med"/>
+                    </a:lnB>
+                  </a:tcPr>
+                </a:tc>
+                <a:tc>
+                  <a:txBody>
+                    <a:bodyPr/>
+                    <a:lstStyle/>
+                    <a:p>
+                      <a:pPr algn="ctr">
+                        <a:lnSpc>
+                          <a:spcPct val="130000"/>
+                        </a:lnSpc>
+                        <a:spcAft>
+                          <a:spcPts val="0"/>
+                        </a:spcAft>
+                      </a:pPr>
+                      <a:r>
+                        <a:rPr lang="zh-CN" sz="1200" b="1" kern="100">
+                          <a:effectLst/>
+                          <a:latin typeface="Times New Roman" panose="02020603050405020304" pitchFamily="18" charset="0"/>
+                          <a:ea typeface="宋体" panose="02010600030101010101" pitchFamily="2" charset="-122"/>
+                          <a:cs typeface="Times New Roman" panose="02020603050405020304" pitchFamily="18" charset="0"/>
+                        </a:rPr>
+                        <a:t>单词名称</a:t>
+                      </a:r>
+                      <a:endParaRPr lang="zh-CN" sz="1200" kern="100">
+                        <a:effectLst/>
+                        <a:latin typeface="Times New Roman" panose="02020603050405020304" pitchFamily="18" charset="0"/>
+                        <a:ea typeface="宋体" panose="02010600030101010101" pitchFamily="2" charset="-122"/>
+                        <a:cs typeface="Times New Roman" panose="02020603050405020304" pitchFamily="18" charset="0"/>
+                      </a:endParaRPr>
+                    </a:p>
+                  </a:txBody>
+                  <a:tcPr marL="68580" marR="68580" marT="0" marB="0" anchor="ctr">
+                    <a:lnL w="12700" cap="flat" cmpd="sng" algn="ctr">
+                      <a:solidFill>
+                        <a:srgbClr val="000000"/>
+                      </a:solidFill>
+                      <a:prstDash val="solid"/>
+                      <a:round/>
+                      <a:headEnd type="none" w="med" len="med"/>
+                      <a:tailEnd type="none" w="med" len="med"/>
+                    </a:lnL>
+                    <a:lnR>
+                      <a:noFill/>
+                    </a:lnR>
+                    <a:lnT w="19050" cap="flat" cmpd="sng" algn="ctr">
+                      <a:solidFill>
+                        <a:srgbClr val="000000"/>
+                      </a:solidFill>
+                      <a:prstDash val="solid"/>
+                      <a:round/>
+                      <a:headEnd type="none" w="med" len="med"/>
+                      <a:tailEnd type="none" w="med" len="med"/>
+                    </a:lnT>
+                    <a:lnB w="12700" cap="flat" cmpd="sng" algn="ctr">
+                      <a:solidFill>
+                        <a:srgbClr val="000000"/>
+                      </a:solidFill>
+                      <a:prstDash val="solid"/>
+                      <a:round/>
+                      <a:headEnd type="none" w="med" len="med"/>
+                      <a:tailEnd type="none" w="med" len="med"/>
+                    </a:lnB>
+                  </a:tcPr>
+                </a:tc>
+                <a:tc>
+                  <a:txBody>
+                    <a:bodyPr/>
+                    <a:lstStyle/>
+                    <a:p>
+                      <a:pPr algn="ctr">
+                        <a:lnSpc>
+                          <a:spcPct val="130000"/>
+                        </a:lnSpc>
+                        <a:spcAft>
+                          <a:spcPts val="0"/>
+                        </a:spcAft>
+                      </a:pPr>
+                      <a:r>
+                        <a:rPr lang="zh-CN" sz="1200" b="1" kern="100" dirty="0">
+                          <a:effectLst/>
+                          <a:latin typeface="Times New Roman" panose="02020603050405020304" pitchFamily="18" charset="0"/>
+                          <a:ea typeface="宋体" panose="02010600030101010101" pitchFamily="2" charset="-122"/>
+                          <a:cs typeface="Times New Roman" panose="02020603050405020304" pitchFamily="18" charset="0"/>
+                        </a:rPr>
+                        <a:t>类别码</a:t>
+                      </a:r>
+                      <a:endParaRPr lang="zh-CN" sz="1200" kern="100" dirty="0">
+                        <a:effectLst/>
+                        <a:latin typeface="Times New Roman" panose="02020603050405020304" pitchFamily="18" charset="0"/>
+                        <a:ea typeface="宋体" panose="02010600030101010101" pitchFamily="2" charset="-122"/>
+                        <a:cs typeface="Times New Roman" panose="02020603050405020304" pitchFamily="18" charset="0"/>
+                      </a:endParaRPr>
+                    </a:p>
+                  </a:txBody>
+                  <a:tcPr marL="68580" marR="68580" marT="0" marB="0" anchor="ctr">
+                    <a:lnL>
+                      <a:noFill/>
+                    </a:lnL>
+                    <a:lnR w="12700" cap="flat" cmpd="sng" algn="ctr">
+                      <a:solidFill>
+                        <a:srgbClr val="000000"/>
+                      </a:solidFill>
+                      <a:prstDash val="solid"/>
+                      <a:round/>
+                      <a:headEnd type="none" w="med" len="med"/>
+                      <a:tailEnd type="none" w="med" len="med"/>
+                    </a:lnR>
+                    <a:lnT w="19050" cap="flat" cmpd="sng" algn="ctr">
+                      <a:solidFill>
+                        <a:srgbClr val="000000"/>
+                      </a:solidFill>
+                      <a:prstDash val="solid"/>
+                      <a:round/>
+                      <a:headEnd type="none" w="med" len="med"/>
+                      <a:tailEnd type="none" w="med" len="med"/>
+                    </a:lnT>
+                    <a:lnB w="12700" cap="flat" cmpd="sng" algn="ctr">
+                      <a:solidFill>
+                        <a:srgbClr val="000000"/>
+                      </a:solidFill>
+                      <a:prstDash val="solid"/>
+                      <a:round/>
+                      <a:headEnd type="none" w="med" len="med"/>
+                      <a:tailEnd type="none" w="med" len="med"/>
+                    </a:lnB>
+                  </a:tcPr>
+                </a:tc>
+                <a:tc>
+                  <a:txBody>
+                    <a:bodyPr/>
+                    <a:lstStyle/>
+                    <a:p>
+                      <a:pPr algn="ctr">
+                        <a:lnSpc>
+                          <a:spcPct val="130000"/>
+                        </a:lnSpc>
+                        <a:spcAft>
+                          <a:spcPts val="0"/>
+                        </a:spcAft>
+                      </a:pPr>
+                      <a:r>
+                        <a:rPr lang="zh-CN" sz="1200" b="1" kern="100">
+                          <a:effectLst/>
+                          <a:latin typeface="Times New Roman" panose="02020603050405020304" pitchFamily="18" charset="0"/>
+                          <a:ea typeface="宋体" panose="02010600030101010101" pitchFamily="2" charset="-122"/>
+                          <a:cs typeface="Times New Roman" panose="02020603050405020304" pitchFamily="18" charset="0"/>
+                        </a:rPr>
+                        <a:t>单词名称</a:t>
+                      </a:r>
+                      <a:endParaRPr lang="zh-CN" sz="1200" kern="100">
+                        <a:effectLst/>
+                        <a:latin typeface="Times New Roman" panose="02020603050405020304" pitchFamily="18" charset="0"/>
+                        <a:ea typeface="宋体" panose="02010600030101010101" pitchFamily="2" charset="-122"/>
+                        <a:cs typeface="Times New Roman" panose="02020603050405020304" pitchFamily="18" charset="0"/>
+                      </a:endParaRPr>
+                    </a:p>
+                  </a:txBody>
+                  <a:tcPr marL="68580" marR="68580" marT="0" marB="0" anchor="ctr">
+                    <a:lnL w="12700" cap="flat" cmpd="sng" algn="ctr">
+                      <a:solidFill>
+                        <a:srgbClr val="000000"/>
+                      </a:solidFill>
+                      <a:prstDash val="solid"/>
+                      <a:round/>
+                      <a:headEnd type="none" w="med" len="med"/>
+                      <a:tailEnd type="none" w="med" len="med"/>
+                    </a:lnL>
+                    <a:lnR>
+                      <a:noFill/>
+                    </a:lnR>
+                    <a:lnT w="19050" cap="flat" cmpd="sng" algn="ctr">
+                      <a:solidFill>
+                        <a:srgbClr val="000000"/>
+                      </a:solidFill>
+                      <a:prstDash val="solid"/>
+                      <a:round/>
+                      <a:headEnd type="none" w="med" len="med"/>
+                      <a:tailEnd type="none" w="med" len="med"/>
+                    </a:lnT>
+                    <a:lnB w="12700" cap="flat" cmpd="sng" algn="ctr">
+                      <a:solidFill>
+                        <a:srgbClr val="000000"/>
+                      </a:solidFill>
+                      <a:prstDash val="solid"/>
+                      <a:round/>
+                      <a:headEnd type="none" w="med" len="med"/>
+                      <a:tailEnd type="none" w="med" len="med"/>
+                    </a:lnB>
+                  </a:tcPr>
+                </a:tc>
+                <a:tc>
+                  <a:txBody>
+                    <a:bodyPr/>
+                    <a:lstStyle/>
+                    <a:p>
+                      <a:pPr algn="ctr">
+                        <a:lnSpc>
+                          <a:spcPct val="130000"/>
+                        </a:lnSpc>
+                        <a:spcAft>
+                          <a:spcPts val="0"/>
+                        </a:spcAft>
+                      </a:pPr>
+                      <a:r>
+                        <a:rPr lang="zh-CN" sz="1200" b="1" kern="100">
+                          <a:effectLst/>
+                          <a:latin typeface="Times New Roman" panose="02020603050405020304" pitchFamily="18" charset="0"/>
+                          <a:ea typeface="宋体" panose="02010600030101010101" pitchFamily="2" charset="-122"/>
+                          <a:cs typeface="Times New Roman" panose="02020603050405020304" pitchFamily="18" charset="0"/>
+                        </a:rPr>
+                        <a:t>类别码</a:t>
+                      </a:r>
+                      <a:endParaRPr lang="zh-CN" sz="1200" kern="100">
+                        <a:effectLst/>
+                        <a:latin typeface="Times New Roman" panose="02020603050405020304" pitchFamily="18" charset="0"/>
+                        <a:ea typeface="宋体" panose="02010600030101010101" pitchFamily="2" charset="-122"/>
+                        <a:cs typeface="Times New Roman" panose="02020603050405020304" pitchFamily="18" charset="0"/>
+                      </a:endParaRPr>
+                    </a:p>
+                  </a:txBody>
+                  <a:tcPr marL="68580" marR="68580" marT="0" marB="0" anchor="ctr">
+                    <a:lnL>
+                      <a:noFill/>
+                    </a:lnL>
+                    <a:lnR w="12700" cap="flat" cmpd="sng" algn="ctr">
+                      <a:solidFill>
+                        <a:srgbClr val="000000"/>
+                      </a:solidFill>
+                      <a:prstDash val="solid"/>
+                      <a:round/>
+                      <a:headEnd type="none" w="med" len="med"/>
+                      <a:tailEnd type="none" w="med" len="med"/>
+                    </a:lnR>
+                    <a:lnT w="19050" cap="flat" cmpd="sng" algn="ctr">
+                      <a:solidFill>
+                        <a:srgbClr val="000000"/>
+                      </a:solidFill>
+                      <a:prstDash val="solid"/>
+                      <a:round/>
+                      <a:headEnd type="none" w="med" len="med"/>
+                      <a:tailEnd type="none" w="med" len="med"/>
+                    </a:lnT>
+                    <a:lnB w="12700" cap="flat" cmpd="sng" algn="ctr">
+                      <a:solidFill>
+                        <a:srgbClr val="000000"/>
+                      </a:solidFill>
+                      <a:prstDash val="solid"/>
+                      <a:round/>
+                      <a:headEnd type="none" w="med" len="med"/>
+                      <a:tailEnd type="none" w="med" len="med"/>
+                    </a:lnB>
+                  </a:tcPr>
+                </a:tc>
+                <a:tc>
+                  <a:txBody>
+                    <a:bodyPr/>
+                    <a:lstStyle/>
+                    <a:p>
+                      <a:pPr algn="ctr">
+                        <a:lnSpc>
+                          <a:spcPct val="130000"/>
+                        </a:lnSpc>
+                        <a:spcAft>
+                          <a:spcPts val="0"/>
+                        </a:spcAft>
+                      </a:pPr>
+                      <a:r>
+                        <a:rPr lang="zh-CN" sz="1200" b="1" kern="100">
+                          <a:effectLst/>
+                          <a:latin typeface="Times New Roman" panose="02020603050405020304" pitchFamily="18" charset="0"/>
+                          <a:ea typeface="宋体" panose="02010600030101010101" pitchFamily="2" charset="-122"/>
+                          <a:cs typeface="Times New Roman" panose="02020603050405020304" pitchFamily="18" charset="0"/>
+                        </a:rPr>
+                        <a:t>单词名称</a:t>
+                      </a:r>
+                      <a:endParaRPr lang="zh-CN" sz="1200" kern="100">
+                        <a:effectLst/>
+                        <a:latin typeface="Times New Roman" panose="02020603050405020304" pitchFamily="18" charset="0"/>
+                        <a:ea typeface="宋体" panose="02010600030101010101" pitchFamily="2" charset="-122"/>
+                        <a:cs typeface="Times New Roman" panose="02020603050405020304" pitchFamily="18" charset="0"/>
+                      </a:endParaRPr>
+                    </a:p>
+                  </a:txBody>
+                  <a:tcPr marL="68580" marR="68580" marT="0" marB="0" anchor="ctr">
+                    <a:lnL w="12700" cap="flat" cmpd="sng" algn="ctr">
+                      <a:solidFill>
+                        <a:srgbClr val="000000"/>
+                      </a:solidFill>
+                      <a:prstDash val="solid"/>
+                      <a:round/>
+                      <a:headEnd type="none" w="med" len="med"/>
+                      <a:tailEnd type="none" w="med" len="med"/>
+                    </a:lnL>
+                    <a:lnR>
+                      <a:noFill/>
+                    </a:lnR>
+                    <a:lnT w="19050" cap="flat" cmpd="sng" algn="ctr">
+                      <a:solidFill>
+                        <a:srgbClr val="000000"/>
+                      </a:solidFill>
+                      <a:prstDash val="solid"/>
+                      <a:round/>
+                      <a:headEnd type="none" w="med" len="med"/>
+                      <a:tailEnd type="none" w="med" len="med"/>
+                    </a:lnT>
+                    <a:lnB w="12700" cap="flat" cmpd="sng" algn="ctr">
+                      <a:solidFill>
+                        <a:srgbClr val="000000"/>
+                      </a:solidFill>
+                      <a:prstDash val="solid"/>
+                      <a:round/>
+                      <a:headEnd type="none" w="med" len="med"/>
+                      <a:tailEnd type="none" w="med" len="med"/>
+                    </a:lnB>
+                  </a:tcPr>
+                </a:tc>
+                <a:tc>
+                  <a:txBody>
+                    <a:bodyPr/>
+                    <a:lstStyle/>
+                    <a:p>
+                      <a:pPr algn="ctr">
+                        <a:lnSpc>
+                          <a:spcPct val="130000"/>
+                        </a:lnSpc>
+                        <a:spcAft>
+                          <a:spcPts val="0"/>
+                        </a:spcAft>
+                      </a:pPr>
+                      <a:r>
+                        <a:rPr lang="zh-CN" sz="1200" b="1" kern="100">
+                          <a:effectLst/>
+                          <a:latin typeface="Times New Roman" panose="02020603050405020304" pitchFamily="18" charset="0"/>
+                          <a:ea typeface="宋体" panose="02010600030101010101" pitchFamily="2" charset="-122"/>
+                          <a:cs typeface="Times New Roman" panose="02020603050405020304" pitchFamily="18" charset="0"/>
+                        </a:rPr>
+                        <a:t>类别码</a:t>
+                      </a:r>
+                      <a:endParaRPr lang="zh-CN" sz="1200" kern="100">
+                        <a:effectLst/>
+                        <a:latin typeface="Times New Roman" panose="02020603050405020304" pitchFamily="18" charset="0"/>
+                        <a:ea typeface="宋体" panose="02010600030101010101" pitchFamily="2" charset="-122"/>
+                        <a:cs typeface="Times New Roman" panose="02020603050405020304" pitchFamily="18" charset="0"/>
+                      </a:endParaRPr>
+                    </a:p>
+                  </a:txBody>
+                  <a:tcPr marL="68580" marR="68580" marT="0" marB="0" anchor="ctr">
+                    <a:lnL>
+                      <a:noFill/>
+                    </a:lnL>
+                    <a:lnR>
+                      <a:noFill/>
+                    </a:lnR>
+                    <a:lnT w="19050" cap="flat" cmpd="sng" algn="ctr">
+                      <a:solidFill>
+                        <a:srgbClr val="000000"/>
+                      </a:solidFill>
+                      <a:prstDash val="solid"/>
+                      <a:round/>
+                      <a:headEnd type="none" w="med" len="med"/>
+                      <a:tailEnd type="none" w="med" len="med"/>
+                    </a:lnT>
+                    <a:lnB w="12700" cap="flat" cmpd="sng" algn="ctr">
+                      <a:solidFill>
+                        <a:srgbClr val="000000"/>
+                      </a:solidFill>
+                      <a:prstDash val="solid"/>
+                      <a:round/>
+                      <a:headEnd type="none" w="med" len="med"/>
+                      <a:tailEnd type="none" w="med" len="med"/>
+                    </a:lnB>
+                  </a:tcPr>
+                </a:tc>
+                <a:extLst>
+                  <a:ext uri="{0D108BD9-81ED-4DB2-BD59-A6C34878D82A}">
+                    <a16:rowId xmlns:a16="http://schemas.microsoft.com/office/drawing/2014/main" val="674939911"/>
+                  </a:ext>
+                </a:extLst>
+              </a:tr>
+              <a:tr h="284891">
+                <a:tc>
+                  <a:txBody>
+                    <a:bodyPr/>
+                    <a:lstStyle/>
+                    <a:p>
+                      <a:pPr algn="ctr">
+                        <a:lnSpc>
+                          <a:spcPct val="130000"/>
+                        </a:lnSpc>
+                        <a:spcAft>
+                          <a:spcPts val="0"/>
+                        </a:spcAft>
+                      </a:pPr>
+                      <a:r>
+                        <a:rPr lang="zh-CN" sz="1200" kern="100">
+                          <a:effectLst/>
+                          <a:latin typeface="Times New Roman" panose="02020603050405020304" pitchFamily="18" charset="0"/>
+                          <a:ea typeface="宋体" panose="02010600030101010101" pitchFamily="2" charset="-122"/>
+                          <a:cs typeface="Times New Roman" panose="02020603050405020304" pitchFamily="18" charset="0"/>
+                        </a:rPr>
+                        <a:t>标识符</a:t>
+                      </a:r>
+                    </a:p>
+                  </a:txBody>
+                  <a:tcPr marL="68580" marR="68580" marT="0" marB="0" anchor="ctr">
+                    <a:lnL>
+                      <a:noFill/>
+                    </a:lnL>
+                    <a:lnR>
+                      <a:noFill/>
+                    </a:lnR>
+                    <a:lnT w="12700" cap="flat" cmpd="sng" algn="ctr">
+                      <a:solidFill>
+                        <a:srgbClr val="000000"/>
+                      </a:solidFill>
+                      <a:prstDash val="solid"/>
+                      <a:round/>
+                      <a:headEnd type="none" w="med" len="med"/>
+                      <a:tailEnd type="none" w="med" len="med"/>
+                    </a:lnT>
+                    <a:lnB>
+                      <a:noFill/>
+                    </a:lnB>
+                  </a:tcPr>
+                </a:tc>
+                <a:tc>
+                  <a:txBody>
+                    <a:bodyPr/>
+                    <a:lstStyle/>
+                    <a:p>
+                      <a:pPr algn="ctr">
+                        <a:lnSpc>
+                          <a:spcPct val="130000"/>
+                        </a:lnSpc>
+                        <a:spcAft>
+                          <a:spcPts val="0"/>
+                        </a:spcAft>
+                      </a:pPr>
+                      <a:r>
+                        <a:rPr lang="en-US" sz="1200" kern="100">
+                          <a:effectLst/>
+                          <a:latin typeface="Times New Roman" panose="02020603050405020304" pitchFamily="18" charset="0"/>
+                          <a:ea typeface="宋体" panose="02010600030101010101" pitchFamily="2" charset="-122"/>
+                          <a:cs typeface="Times New Roman" panose="02020603050405020304" pitchFamily="18" charset="0"/>
+                        </a:rPr>
+                        <a:t>IDENFR</a:t>
+                      </a:r>
+                      <a:endParaRPr lang="zh-CN" sz="1200" kern="100">
+                        <a:effectLst/>
+                        <a:latin typeface="Times New Roman" panose="02020603050405020304" pitchFamily="18" charset="0"/>
+                        <a:ea typeface="宋体" panose="02010600030101010101" pitchFamily="2" charset="-122"/>
+                        <a:cs typeface="Times New Roman" panose="02020603050405020304" pitchFamily="18" charset="0"/>
+                      </a:endParaRPr>
+                    </a:p>
+                  </a:txBody>
+                  <a:tcPr marL="68580" marR="68580" marT="0" marB="0" anchor="ctr">
+                    <a:lnL>
+                      <a:noFill/>
+                    </a:lnL>
+                    <a:lnR w="12700" cap="flat" cmpd="sng" algn="ctr">
+                      <a:solidFill>
+                        <a:srgbClr val="000000"/>
+                      </a:solidFill>
+                      <a:prstDash val="solid"/>
+                      <a:round/>
+                      <a:headEnd type="none" w="med" len="med"/>
+                      <a:tailEnd type="none" w="med" len="med"/>
+                    </a:lnR>
+                    <a:lnT w="12700" cap="flat" cmpd="sng" algn="ctr">
+                      <a:solidFill>
+                        <a:srgbClr val="000000"/>
+                      </a:solidFill>
+                      <a:prstDash val="solid"/>
+                      <a:round/>
+                      <a:headEnd type="none" w="med" len="med"/>
+                      <a:tailEnd type="none" w="med" len="med"/>
+                    </a:lnT>
+                    <a:lnB>
+                      <a:noFill/>
+                    </a:lnB>
+                  </a:tcPr>
+                </a:tc>
+                <a:tc>
+                  <a:txBody>
+                    <a:bodyPr/>
+                    <a:lstStyle/>
+                    <a:p>
+                      <a:pPr algn="ctr">
+                        <a:lnSpc>
+                          <a:spcPct val="130000"/>
+                        </a:lnSpc>
+                        <a:spcAft>
+                          <a:spcPts val="0"/>
+                        </a:spcAft>
+                      </a:pPr>
+                      <a:r>
+                        <a:rPr lang="en-US" sz="1200" kern="100">
+                          <a:effectLst/>
+                          <a:latin typeface="Times New Roman" panose="02020603050405020304" pitchFamily="18" charset="0"/>
+                          <a:ea typeface="宋体" panose="02010600030101010101" pitchFamily="2" charset="-122"/>
+                          <a:cs typeface="Times New Roman" panose="02020603050405020304" pitchFamily="18" charset="0"/>
+                        </a:rPr>
+                        <a:t>else</a:t>
+                      </a:r>
+                      <a:endParaRPr lang="zh-CN" sz="1200" kern="100">
+                        <a:effectLst/>
+                        <a:latin typeface="Times New Roman" panose="02020603050405020304" pitchFamily="18" charset="0"/>
+                        <a:ea typeface="宋体" panose="02010600030101010101" pitchFamily="2" charset="-122"/>
+                        <a:cs typeface="Times New Roman" panose="02020603050405020304" pitchFamily="18" charset="0"/>
+                      </a:endParaRPr>
+                    </a:p>
+                  </a:txBody>
+                  <a:tcPr marL="68580" marR="68580" marT="0" marB="0" anchor="ctr">
+                    <a:lnL w="12700" cap="flat" cmpd="sng" algn="ctr">
+                      <a:solidFill>
+                        <a:srgbClr val="000000"/>
+                      </a:solidFill>
+                      <a:prstDash val="solid"/>
+                      <a:round/>
+                      <a:headEnd type="none" w="med" len="med"/>
+                      <a:tailEnd type="none" w="med" len="med"/>
+                    </a:lnL>
+                    <a:lnR>
+                      <a:noFill/>
+                    </a:lnR>
+                    <a:lnT w="12700" cap="flat" cmpd="sng" algn="ctr">
+                      <a:solidFill>
+                        <a:srgbClr val="000000"/>
+                      </a:solidFill>
+                      <a:prstDash val="solid"/>
+                      <a:round/>
+                      <a:headEnd type="none" w="med" len="med"/>
+                      <a:tailEnd type="none" w="med" len="med"/>
+                    </a:lnT>
+                    <a:lnB>
+                      <a:noFill/>
+                    </a:lnB>
+                  </a:tcPr>
+                </a:tc>
+                <a:tc>
+                  <a:txBody>
+                    <a:bodyPr/>
+                    <a:lstStyle/>
+                    <a:p>
+                      <a:pPr algn="ctr">
+                        <a:lnSpc>
+                          <a:spcPct val="130000"/>
+                        </a:lnSpc>
+                        <a:spcAft>
+                          <a:spcPts val="0"/>
+                        </a:spcAft>
+                      </a:pPr>
+                      <a:r>
+                        <a:rPr lang="en-US" sz="1200" kern="100">
+                          <a:effectLst/>
+                          <a:latin typeface="Times New Roman" panose="02020603050405020304" pitchFamily="18" charset="0"/>
+                          <a:ea typeface="宋体" panose="02010600030101010101" pitchFamily="2" charset="-122"/>
+                          <a:cs typeface="Times New Roman" panose="02020603050405020304" pitchFamily="18" charset="0"/>
+                        </a:rPr>
+                        <a:t>ELSETK</a:t>
+                      </a:r>
+                      <a:endParaRPr lang="zh-CN" sz="1200" kern="100">
+                        <a:effectLst/>
+                        <a:latin typeface="Times New Roman" panose="02020603050405020304" pitchFamily="18" charset="0"/>
+                        <a:ea typeface="宋体" panose="02010600030101010101" pitchFamily="2" charset="-122"/>
+                        <a:cs typeface="Times New Roman" panose="02020603050405020304" pitchFamily="18" charset="0"/>
+                      </a:endParaRPr>
+                    </a:p>
+                  </a:txBody>
+                  <a:tcPr marL="68580" marR="68580" marT="0" marB="0" anchor="ctr">
+                    <a:lnL>
+                      <a:noFill/>
+                    </a:lnL>
+                    <a:lnR w="12700" cap="flat" cmpd="sng" algn="ctr">
+                      <a:solidFill>
+                        <a:srgbClr val="000000"/>
+                      </a:solidFill>
+                      <a:prstDash val="solid"/>
+                      <a:round/>
+                      <a:headEnd type="none" w="med" len="med"/>
+                      <a:tailEnd type="none" w="med" len="med"/>
+                    </a:lnR>
+                    <a:lnT w="12700" cap="flat" cmpd="sng" algn="ctr">
+                      <a:solidFill>
+                        <a:srgbClr val="000000"/>
+                      </a:solidFill>
+                      <a:prstDash val="solid"/>
+                      <a:round/>
+                      <a:headEnd type="none" w="med" len="med"/>
+                      <a:tailEnd type="none" w="med" len="med"/>
+                    </a:lnT>
+                    <a:lnB>
+                      <a:noFill/>
+                    </a:lnB>
+                  </a:tcPr>
+                </a:tc>
+                <a:tc>
+                  <a:txBody>
+                    <a:bodyPr/>
+                    <a:lstStyle/>
+                    <a:p>
+                      <a:pPr algn="ctr">
+                        <a:lnSpc>
+                          <a:spcPct val="130000"/>
+                        </a:lnSpc>
+                        <a:spcAft>
+                          <a:spcPts val="0"/>
+                        </a:spcAft>
+                      </a:pPr>
+                      <a:r>
+                        <a:rPr lang="en-US" sz="1200" kern="100">
+                          <a:effectLst/>
+                          <a:latin typeface="Times New Roman" panose="02020603050405020304" pitchFamily="18" charset="0"/>
+                          <a:ea typeface="宋体" panose="02010600030101010101" pitchFamily="2" charset="-122"/>
+                          <a:cs typeface="Times New Roman" panose="02020603050405020304" pitchFamily="18" charset="0"/>
+                        </a:rPr>
+                        <a:t>-</a:t>
+                      </a:r>
+                      <a:endParaRPr lang="zh-CN" sz="1200" kern="100">
+                        <a:effectLst/>
+                        <a:latin typeface="Times New Roman" panose="02020603050405020304" pitchFamily="18" charset="0"/>
+                        <a:ea typeface="宋体" panose="02010600030101010101" pitchFamily="2" charset="-122"/>
+                        <a:cs typeface="Times New Roman" panose="02020603050405020304" pitchFamily="18" charset="0"/>
+                      </a:endParaRPr>
+                    </a:p>
+                  </a:txBody>
+                  <a:tcPr marL="68580" marR="68580" marT="0" marB="0" anchor="ctr">
+                    <a:lnL w="12700" cap="flat" cmpd="sng" algn="ctr">
+                      <a:solidFill>
+                        <a:srgbClr val="000000"/>
+                      </a:solidFill>
+                      <a:prstDash val="solid"/>
+                      <a:round/>
+                      <a:headEnd type="none" w="med" len="med"/>
+                      <a:tailEnd type="none" w="med" len="med"/>
+                    </a:lnL>
+                    <a:lnR>
+                      <a:noFill/>
+                    </a:lnR>
+                    <a:lnT w="12700" cap="flat" cmpd="sng" algn="ctr">
+                      <a:solidFill>
+                        <a:srgbClr val="000000"/>
+                      </a:solidFill>
+                      <a:prstDash val="solid"/>
+                      <a:round/>
+                      <a:headEnd type="none" w="med" len="med"/>
+                      <a:tailEnd type="none" w="med" len="med"/>
+                    </a:lnT>
+                    <a:lnB>
+                      <a:noFill/>
+                    </a:lnB>
+                  </a:tcPr>
+                </a:tc>
+                <a:tc>
+                  <a:txBody>
+                    <a:bodyPr/>
+                    <a:lstStyle/>
+                    <a:p>
+                      <a:pPr algn="ctr">
+                        <a:lnSpc>
+                          <a:spcPct val="130000"/>
+                        </a:lnSpc>
+                        <a:spcAft>
+                          <a:spcPts val="0"/>
+                        </a:spcAft>
+                      </a:pPr>
+                      <a:r>
+                        <a:rPr lang="en-US" sz="1200" kern="100">
+                          <a:effectLst/>
+                          <a:latin typeface="Times New Roman" panose="02020603050405020304" pitchFamily="18" charset="0"/>
+                          <a:ea typeface="宋体" panose="02010600030101010101" pitchFamily="2" charset="-122"/>
+                          <a:cs typeface="Times New Roman" panose="02020603050405020304" pitchFamily="18" charset="0"/>
+                        </a:rPr>
+                        <a:t>MINU</a:t>
+                      </a:r>
+                      <a:endParaRPr lang="zh-CN" sz="1200" kern="100">
+                        <a:effectLst/>
+                        <a:latin typeface="Times New Roman" panose="02020603050405020304" pitchFamily="18" charset="0"/>
+                        <a:ea typeface="宋体" panose="02010600030101010101" pitchFamily="2" charset="-122"/>
+                        <a:cs typeface="Times New Roman" panose="02020603050405020304" pitchFamily="18" charset="0"/>
+                      </a:endParaRPr>
+                    </a:p>
+                  </a:txBody>
+                  <a:tcPr marL="68580" marR="68580" marT="0" marB="0" anchor="ctr">
+                    <a:lnL>
+                      <a:noFill/>
+                    </a:lnL>
+                    <a:lnR w="12700" cap="flat" cmpd="sng" algn="ctr">
+                      <a:solidFill>
+                        <a:srgbClr val="000000"/>
+                      </a:solidFill>
+                      <a:prstDash val="solid"/>
+                      <a:round/>
+                      <a:headEnd type="none" w="med" len="med"/>
+                      <a:tailEnd type="none" w="med" len="med"/>
+                    </a:lnR>
+                    <a:lnT w="12700" cap="flat" cmpd="sng" algn="ctr">
+                      <a:solidFill>
+                        <a:srgbClr val="000000"/>
+                      </a:solidFill>
+                      <a:prstDash val="solid"/>
+                      <a:round/>
+                      <a:headEnd type="none" w="med" len="med"/>
+                      <a:tailEnd type="none" w="med" len="med"/>
+                    </a:lnT>
+                    <a:lnB>
+                      <a:noFill/>
+                    </a:lnB>
+                  </a:tcPr>
+                </a:tc>
+                <a:tc>
+                  <a:txBody>
+                    <a:bodyPr/>
+                    <a:lstStyle/>
+                    <a:p>
+                      <a:pPr algn="ctr">
+                        <a:lnSpc>
+                          <a:spcPct val="130000"/>
+                        </a:lnSpc>
+                        <a:spcAft>
+                          <a:spcPts val="0"/>
+                        </a:spcAft>
+                      </a:pPr>
+                      <a:r>
+                        <a:rPr lang="en-US" sz="1200" kern="100">
+                          <a:effectLst/>
+                          <a:latin typeface="Times New Roman" panose="02020603050405020304" pitchFamily="18" charset="0"/>
+                          <a:ea typeface="宋体" panose="02010600030101010101" pitchFamily="2" charset="-122"/>
+                          <a:cs typeface="Times New Roman" panose="02020603050405020304" pitchFamily="18" charset="0"/>
+                        </a:rPr>
+                        <a:t>=</a:t>
+                      </a:r>
+                      <a:endParaRPr lang="zh-CN" sz="1200" kern="100">
+                        <a:effectLst/>
+                        <a:latin typeface="Times New Roman" panose="02020603050405020304" pitchFamily="18" charset="0"/>
+                        <a:ea typeface="宋体" panose="02010600030101010101" pitchFamily="2" charset="-122"/>
+                        <a:cs typeface="Times New Roman" panose="02020603050405020304" pitchFamily="18" charset="0"/>
+                      </a:endParaRPr>
+                    </a:p>
+                  </a:txBody>
+                  <a:tcPr marL="68580" marR="68580" marT="0" marB="0" anchor="ctr">
+                    <a:lnL w="12700" cap="flat" cmpd="sng" algn="ctr">
+                      <a:solidFill>
+                        <a:srgbClr val="000000"/>
+                      </a:solidFill>
+                      <a:prstDash val="solid"/>
+                      <a:round/>
+                      <a:headEnd type="none" w="med" len="med"/>
+                      <a:tailEnd type="none" w="med" len="med"/>
+                    </a:lnL>
+                    <a:lnR>
+                      <a:noFill/>
+                    </a:lnR>
+                    <a:lnT w="12700" cap="flat" cmpd="sng" algn="ctr">
+                      <a:solidFill>
+                        <a:srgbClr val="000000"/>
+                      </a:solidFill>
+                      <a:prstDash val="solid"/>
+                      <a:round/>
+                      <a:headEnd type="none" w="med" len="med"/>
+                      <a:tailEnd type="none" w="med" len="med"/>
+                    </a:lnT>
+                    <a:lnB>
+                      <a:noFill/>
+                    </a:lnB>
+                  </a:tcPr>
+                </a:tc>
+                <a:tc>
+                  <a:txBody>
+                    <a:bodyPr/>
+                    <a:lstStyle/>
+                    <a:p>
+                      <a:pPr algn="ctr">
+                        <a:lnSpc>
+                          <a:spcPct val="130000"/>
+                        </a:lnSpc>
+                        <a:spcAft>
+                          <a:spcPts val="0"/>
+                        </a:spcAft>
+                      </a:pPr>
+                      <a:r>
+                        <a:rPr lang="en-US" sz="1200" kern="100">
+                          <a:effectLst/>
+                          <a:latin typeface="Times New Roman" panose="02020603050405020304" pitchFamily="18" charset="0"/>
+                          <a:ea typeface="宋体" panose="02010600030101010101" pitchFamily="2" charset="-122"/>
+                          <a:cs typeface="Times New Roman" panose="02020603050405020304" pitchFamily="18" charset="0"/>
+                        </a:rPr>
+                        <a:t>ASSIGN</a:t>
+                      </a:r>
+                      <a:endParaRPr lang="zh-CN" sz="1200" kern="100">
+                        <a:effectLst/>
+                        <a:latin typeface="Times New Roman" panose="02020603050405020304" pitchFamily="18" charset="0"/>
+                        <a:ea typeface="宋体" panose="02010600030101010101" pitchFamily="2" charset="-122"/>
+                        <a:cs typeface="Times New Roman" panose="02020603050405020304" pitchFamily="18" charset="0"/>
+                      </a:endParaRPr>
+                    </a:p>
+                  </a:txBody>
+                  <a:tcPr marL="68580" marR="68580" marT="0" marB="0" anchor="ctr">
+                    <a:lnL>
+                      <a:noFill/>
+                    </a:lnL>
+                    <a:lnR>
+                      <a:noFill/>
+                    </a:lnR>
+                    <a:lnT w="12700" cap="flat" cmpd="sng" algn="ctr">
+                      <a:solidFill>
+                        <a:srgbClr val="000000"/>
+                      </a:solidFill>
+                      <a:prstDash val="solid"/>
+                      <a:round/>
+                      <a:headEnd type="none" w="med" len="med"/>
+                      <a:tailEnd type="none" w="med" len="med"/>
+                    </a:lnT>
+                    <a:lnB>
+                      <a:noFill/>
+                    </a:lnB>
+                  </a:tcPr>
+                </a:tc>
+                <a:extLst>
+                  <a:ext uri="{0D108BD9-81ED-4DB2-BD59-A6C34878D82A}">
+                    <a16:rowId xmlns:a16="http://schemas.microsoft.com/office/drawing/2014/main" val="220350103"/>
+                  </a:ext>
+                </a:extLst>
+              </a:tr>
+              <a:tr h="284891">
+                <a:tc>
+                  <a:txBody>
+                    <a:bodyPr/>
+                    <a:lstStyle/>
+                    <a:p>
+                      <a:pPr algn="ctr">
+                        <a:lnSpc>
+                          <a:spcPct val="130000"/>
+                        </a:lnSpc>
+                        <a:spcAft>
+                          <a:spcPts val="0"/>
+                        </a:spcAft>
+                      </a:pPr>
+                      <a:r>
+                        <a:rPr lang="zh-CN" sz="1200" kern="100">
+                          <a:effectLst/>
+                          <a:latin typeface="Times New Roman" panose="02020603050405020304" pitchFamily="18" charset="0"/>
+                          <a:ea typeface="宋体" panose="02010600030101010101" pitchFamily="2" charset="-122"/>
+                          <a:cs typeface="Times New Roman" panose="02020603050405020304" pitchFamily="18" charset="0"/>
+                        </a:rPr>
+                        <a:t>整型常量</a:t>
+                      </a:r>
+                    </a:p>
+                  </a:txBody>
+                  <a:tcPr marL="68580" marR="68580" marT="0" marB="0" anchor="ctr">
+                    <a:lnL>
+                      <a:noFill/>
+                    </a:lnL>
+                    <a:lnR>
+                      <a:noFill/>
+                    </a:lnR>
+                    <a:lnT>
+                      <a:noFill/>
+                    </a:lnT>
+                    <a:lnB>
+                      <a:noFill/>
+                    </a:lnB>
+                  </a:tcPr>
+                </a:tc>
+                <a:tc>
+                  <a:txBody>
+                    <a:bodyPr/>
+                    <a:lstStyle/>
+                    <a:p>
+                      <a:pPr algn="ctr">
+                        <a:lnSpc>
+                          <a:spcPct val="130000"/>
+                        </a:lnSpc>
+                        <a:spcAft>
+                          <a:spcPts val="0"/>
+                        </a:spcAft>
+                      </a:pPr>
+                      <a:r>
+                        <a:rPr lang="en-US" sz="1200" kern="100">
+                          <a:effectLst/>
+                          <a:latin typeface="Times New Roman" panose="02020603050405020304" pitchFamily="18" charset="0"/>
+                          <a:ea typeface="宋体" panose="02010600030101010101" pitchFamily="2" charset="-122"/>
+                          <a:cs typeface="Times New Roman" panose="02020603050405020304" pitchFamily="18" charset="0"/>
+                        </a:rPr>
+                        <a:t>INTCON</a:t>
+                      </a:r>
+                      <a:endParaRPr lang="zh-CN" sz="1200" kern="100">
+                        <a:effectLst/>
+                        <a:latin typeface="Times New Roman" panose="02020603050405020304" pitchFamily="18" charset="0"/>
+                        <a:ea typeface="宋体" panose="02010600030101010101" pitchFamily="2" charset="-122"/>
+                        <a:cs typeface="Times New Roman" panose="02020603050405020304" pitchFamily="18" charset="0"/>
+                      </a:endParaRPr>
+                    </a:p>
+                  </a:txBody>
+                  <a:tcPr marL="68580" marR="68580" marT="0" marB="0" anchor="ctr">
+                    <a:lnL>
+                      <a:noFill/>
+                    </a:lnL>
+                    <a:lnR w="12700" cap="flat" cmpd="sng" algn="ctr">
+                      <a:solidFill>
+                        <a:srgbClr val="000000"/>
+                      </a:solidFill>
+                      <a:prstDash val="solid"/>
+                      <a:round/>
+                      <a:headEnd type="none" w="med" len="med"/>
+                      <a:tailEnd type="none" w="med" len="med"/>
+                    </a:lnR>
+                    <a:lnT>
+                      <a:noFill/>
+                    </a:lnT>
+                    <a:lnB>
+                      <a:noFill/>
+                    </a:lnB>
+                  </a:tcPr>
+                </a:tc>
+                <a:tc>
+                  <a:txBody>
+                    <a:bodyPr/>
+                    <a:lstStyle/>
+                    <a:p>
+                      <a:pPr algn="ctr">
+                        <a:lnSpc>
+                          <a:spcPct val="130000"/>
+                        </a:lnSpc>
+                        <a:spcAft>
+                          <a:spcPts val="0"/>
+                        </a:spcAft>
+                      </a:pPr>
+                      <a:r>
+                        <a:rPr lang="en-US" sz="1200" kern="100">
+                          <a:effectLst/>
+                          <a:latin typeface="Times New Roman" panose="02020603050405020304" pitchFamily="18" charset="0"/>
+                          <a:ea typeface="宋体" panose="02010600030101010101" pitchFamily="2" charset="-122"/>
+                          <a:cs typeface="Times New Roman" panose="02020603050405020304" pitchFamily="18" charset="0"/>
+                        </a:rPr>
+                        <a:t>switch</a:t>
+                      </a:r>
+                      <a:endParaRPr lang="zh-CN" sz="1200" kern="100">
+                        <a:effectLst/>
+                        <a:latin typeface="Times New Roman" panose="02020603050405020304" pitchFamily="18" charset="0"/>
+                        <a:ea typeface="宋体" panose="02010600030101010101" pitchFamily="2" charset="-122"/>
+                        <a:cs typeface="Times New Roman" panose="02020603050405020304" pitchFamily="18" charset="0"/>
+                      </a:endParaRPr>
+                    </a:p>
+                  </a:txBody>
+                  <a:tcPr marL="68580" marR="68580" marT="0" marB="0" anchor="ctr">
+                    <a:lnL w="12700" cap="flat" cmpd="sng" algn="ctr">
+                      <a:solidFill>
+                        <a:srgbClr val="000000"/>
+                      </a:solidFill>
+                      <a:prstDash val="solid"/>
+                      <a:round/>
+                      <a:headEnd type="none" w="med" len="med"/>
+                      <a:tailEnd type="none" w="med" len="med"/>
+                    </a:lnL>
+                    <a:lnR>
+                      <a:noFill/>
+                    </a:lnR>
+                    <a:lnT>
+                      <a:noFill/>
+                    </a:lnT>
+                    <a:lnB>
+                      <a:noFill/>
+                    </a:lnB>
+                  </a:tcPr>
+                </a:tc>
+                <a:tc>
+                  <a:txBody>
+                    <a:bodyPr/>
+                    <a:lstStyle/>
+                    <a:p>
+                      <a:pPr algn="ctr">
+                        <a:lnSpc>
+                          <a:spcPct val="130000"/>
+                        </a:lnSpc>
+                        <a:spcAft>
+                          <a:spcPts val="0"/>
+                        </a:spcAft>
+                      </a:pPr>
+                      <a:r>
+                        <a:rPr lang="en-US" sz="1200" kern="100">
+                          <a:effectLst/>
+                          <a:latin typeface="Times New Roman" panose="02020603050405020304" pitchFamily="18" charset="0"/>
+                          <a:ea typeface="宋体" panose="02010600030101010101" pitchFamily="2" charset="-122"/>
+                          <a:cs typeface="Times New Roman" panose="02020603050405020304" pitchFamily="18" charset="0"/>
+                        </a:rPr>
+                        <a:t>SWITCHTK</a:t>
+                      </a:r>
+                      <a:endParaRPr lang="zh-CN" sz="1200" kern="100">
+                        <a:effectLst/>
+                        <a:latin typeface="Times New Roman" panose="02020603050405020304" pitchFamily="18" charset="0"/>
+                        <a:ea typeface="宋体" panose="02010600030101010101" pitchFamily="2" charset="-122"/>
+                        <a:cs typeface="Times New Roman" panose="02020603050405020304" pitchFamily="18" charset="0"/>
+                      </a:endParaRPr>
+                    </a:p>
+                  </a:txBody>
+                  <a:tcPr marL="68580" marR="68580" marT="0" marB="0" anchor="ctr">
+                    <a:lnL>
+                      <a:noFill/>
+                    </a:lnL>
+                    <a:lnR w="12700" cap="flat" cmpd="sng" algn="ctr">
+                      <a:solidFill>
+                        <a:srgbClr val="000000"/>
+                      </a:solidFill>
+                      <a:prstDash val="solid"/>
+                      <a:round/>
+                      <a:headEnd type="none" w="med" len="med"/>
+                      <a:tailEnd type="none" w="med" len="med"/>
+                    </a:lnR>
+                    <a:lnT>
+                      <a:noFill/>
+                    </a:lnT>
+                    <a:lnB>
+                      <a:noFill/>
+                    </a:lnB>
+                  </a:tcPr>
+                </a:tc>
+                <a:tc>
+                  <a:txBody>
+                    <a:bodyPr/>
+                    <a:lstStyle/>
+                    <a:p>
+                      <a:pPr algn="ctr">
+                        <a:lnSpc>
+                          <a:spcPct val="130000"/>
+                        </a:lnSpc>
+                        <a:spcAft>
+                          <a:spcPts val="0"/>
+                        </a:spcAft>
+                      </a:pPr>
+                      <a:r>
+                        <a:rPr lang="en-US" sz="1200" kern="100">
+                          <a:effectLst/>
+                          <a:latin typeface="Times New Roman" panose="02020603050405020304" pitchFamily="18" charset="0"/>
+                          <a:ea typeface="宋体" panose="02010600030101010101" pitchFamily="2" charset="-122"/>
+                          <a:cs typeface="Times New Roman" panose="02020603050405020304" pitchFamily="18" charset="0"/>
+                        </a:rPr>
+                        <a:t>*</a:t>
+                      </a:r>
+                      <a:endParaRPr lang="zh-CN" sz="1200" kern="100">
+                        <a:effectLst/>
+                        <a:latin typeface="Times New Roman" panose="02020603050405020304" pitchFamily="18" charset="0"/>
+                        <a:ea typeface="宋体" panose="02010600030101010101" pitchFamily="2" charset="-122"/>
+                        <a:cs typeface="Times New Roman" panose="02020603050405020304" pitchFamily="18" charset="0"/>
+                      </a:endParaRPr>
+                    </a:p>
+                  </a:txBody>
+                  <a:tcPr marL="68580" marR="68580" marT="0" marB="0" anchor="ctr">
+                    <a:lnL w="12700" cap="flat" cmpd="sng" algn="ctr">
+                      <a:solidFill>
+                        <a:srgbClr val="000000"/>
+                      </a:solidFill>
+                      <a:prstDash val="solid"/>
+                      <a:round/>
+                      <a:headEnd type="none" w="med" len="med"/>
+                      <a:tailEnd type="none" w="med" len="med"/>
+                    </a:lnL>
+                    <a:lnR>
+                      <a:noFill/>
+                    </a:lnR>
+                    <a:lnT>
+                      <a:noFill/>
+                    </a:lnT>
+                    <a:lnB>
+                      <a:noFill/>
+                    </a:lnB>
+                  </a:tcPr>
+                </a:tc>
+                <a:tc>
+                  <a:txBody>
+                    <a:bodyPr/>
+                    <a:lstStyle/>
+                    <a:p>
+                      <a:pPr algn="ctr">
+                        <a:lnSpc>
+                          <a:spcPct val="130000"/>
+                        </a:lnSpc>
+                        <a:spcAft>
+                          <a:spcPts val="0"/>
+                        </a:spcAft>
+                      </a:pPr>
+                      <a:r>
+                        <a:rPr lang="en-US" sz="1200" kern="100">
+                          <a:effectLst/>
+                          <a:latin typeface="Times New Roman" panose="02020603050405020304" pitchFamily="18" charset="0"/>
+                          <a:ea typeface="宋体" panose="02010600030101010101" pitchFamily="2" charset="-122"/>
+                          <a:cs typeface="Times New Roman" panose="02020603050405020304" pitchFamily="18" charset="0"/>
+                        </a:rPr>
+                        <a:t>MULT</a:t>
+                      </a:r>
+                      <a:endParaRPr lang="zh-CN" sz="1200" kern="100">
+                        <a:effectLst/>
+                        <a:latin typeface="Times New Roman" panose="02020603050405020304" pitchFamily="18" charset="0"/>
+                        <a:ea typeface="宋体" panose="02010600030101010101" pitchFamily="2" charset="-122"/>
+                        <a:cs typeface="Times New Roman" panose="02020603050405020304" pitchFamily="18" charset="0"/>
+                      </a:endParaRPr>
+                    </a:p>
+                  </a:txBody>
+                  <a:tcPr marL="68580" marR="68580" marT="0" marB="0" anchor="ctr">
+                    <a:lnL>
+                      <a:noFill/>
+                    </a:lnL>
+                    <a:lnR w="12700" cap="flat" cmpd="sng" algn="ctr">
+                      <a:solidFill>
+                        <a:srgbClr val="000000"/>
+                      </a:solidFill>
+                      <a:prstDash val="solid"/>
+                      <a:round/>
+                      <a:headEnd type="none" w="med" len="med"/>
+                      <a:tailEnd type="none" w="med" len="med"/>
+                    </a:lnR>
+                    <a:lnT>
+                      <a:noFill/>
+                    </a:lnT>
+                    <a:lnB>
+                      <a:noFill/>
+                    </a:lnB>
+                  </a:tcPr>
+                </a:tc>
+                <a:tc>
+                  <a:txBody>
+                    <a:bodyPr/>
+                    <a:lstStyle/>
+                    <a:p>
+                      <a:pPr algn="ctr">
+                        <a:lnSpc>
+                          <a:spcPct val="130000"/>
+                        </a:lnSpc>
+                        <a:spcAft>
+                          <a:spcPts val="0"/>
+                        </a:spcAft>
+                      </a:pPr>
+                      <a:r>
+                        <a:rPr lang="en-US" sz="1200" kern="100">
+                          <a:effectLst/>
+                          <a:latin typeface="Times New Roman" panose="02020603050405020304" pitchFamily="18" charset="0"/>
+                          <a:ea typeface="宋体" panose="02010600030101010101" pitchFamily="2" charset="-122"/>
+                          <a:cs typeface="Times New Roman" panose="02020603050405020304" pitchFamily="18" charset="0"/>
+                        </a:rPr>
+                        <a:t>;</a:t>
+                      </a:r>
+                      <a:endParaRPr lang="zh-CN" sz="1200" kern="100">
+                        <a:effectLst/>
+                        <a:latin typeface="Times New Roman" panose="02020603050405020304" pitchFamily="18" charset="0"/>
+                        <a:ea typeface="宋体" panose="02010600030101010101" pitchFamily="2" charset="-122"/>
+                        <a:cs typeface="Times New Roman" panose="02020603050405020304" pitchFamily="18" charset="0"/>
+                      </a:endParaRPr>
+                    </a:p>
+                  </a:txBody>
+                  <a:tcPr marL="68580" marR="68580" marT="0" marB="0" anchor="ctr">
+                    <a:lnL w="12700" cap="flat" cmpd="sng" algn="ctr">
+                      <a:solidFill>
+                        <a:srgbClr val="000000"/>
+                      </a:solidFill>
+                      <a:prstDash val="solid"/>
+                      <a:round/>
+                      <a:headEnd type="none" w="med" len="med"/>
+                      <a:tailEnd type="none" w="med" len="med"/>
+                    </a:lnL>
+                    <a:lnR>
+                      <a:noFill/>
+                    </a:lnR>
+                    <a:lnT>
+                      <a:noFill/>
+                    </a:lnT>
+                    <a:lnB>
+                      <a:noFill/>
+                    </a:lnB>
+                  </a:tcPr>
+                </a:tc>
+                <a:tc>
+                  <a:txBody>
+                    <a:bodyPr/>
+                    <a:lstStyle/>
+                    <a:p>
+                      <a:pPr algn="ctr">
+                        <a:lnSpc>
+                          <a:spcPct val="130000"/>
+                        </a:lnSpc>
+                        <a:spcAft>
+                          <a:spcPts val="0"/>
+                        </a:spcAft>
+                      </a:pPr>
+                      <a:r>
+                        <a:rPr lang="en-US" sz="1200" kern="100">
+                          <a:effectLst/>
+                          <a:latin typeface="Times New Roman" panose="02020603050405020304" pitchFamily="18" charset="0"/>
+                          <a:ea typeface="宋体" panose="02010600030101010101" pitchFamily="2" charset="-122"/>
+                          <a:cs typeface="Times New Roman" panose="02020603050405020304" pitchFamily="18" charset="0"/>
+                        </a:rPr>
+                        <a:t>SEMICN</a:t>
+                      </a:r>
+                      <a:endParaRPr lang="zh-CN" sz="1200" kern="100">
+                        <a:effectLst/>
+                        <a:latin typeface="Times New Roman" panose="02020603050405020304" pitchFamily="18" charset="0"/>
+                        <a:ea typeface="宋体" panose="02010600030101010101" pitchFamily="2" charset="-122"/>
+                        <a:cs typeface="Times New Roman" panose="02020603050405020304" pitchFamily="18" charset="0"/>
+                      </a:endParaRPr>
+                    </a:p>
+                  </a:txBody>
+                  <a:tcPr marL="68580" marR="68580" marT="0" marB="0" anchor="ctr">
+                    <a:lnL>
+                      <a:noFill/>
+                    </a:lnL>
+                    <a:lnR>
+                      <a:noFill/>
+                    </a:lnR>
+                    <a:lnT>
+                      <a:noFill/>
+                    </a:lnT>
+                    <a:lnB>
+                      <a:noFill/>
+                    </a:lnB>
+                  </a:tcPr>
+                </a:tc>
+                <a:extLst>
+                  <a:ext uri="{0D108BD9-81ED-4DB2-BD59-A6C34878D82A}">
+                    <a16:rowId xmlns:a16="http://schemas.microsoft.com/office/drawing/2014/main" val="4191199519"/>
+                  </a:ext>
+                </a:extLst>
+              </a:tr>
+              <a:tr h="284891">
+                <a:tc>
+                  <a:txBody>
+                    <a:bodyPr/>
+                    <a:lstStyle/>
+                    <a:p>
+                      <a:pPr algn="ctr">
+                        <a:lnSpc>
+                          <a:spcPct val="130000"/>
+                        </a:lnSpc>
+                        <a:spcAft>
+                          <a:spcPts val="0"/>
+                        </a:spcAft>
+                      </a:pPr>
+                      <a:r>
+                        <a:rPr lang="zh-CN" sz="1200" kern="100">
+                          <a:effectLst/>
+                          <a:latin typeface="Times New Roman" panose="02020603050405020304" pitchFamily="18" charset="0"/>
+                          <a:ea typeface="宋体" panose="02010600030101010101" pitchFamily="2" charset="-122"/>
+                          <a:cs typeface="Times New Roman" panose="02020603050405020304" pitchFamily="18" charset="0"/>
+                        </a:rPr>
+                        <a:t>字符常量</a:t>
+                      </a:r>
+                    </a:p>
+                  </a:txBody>
+                  <a:tcPr marL="68580" marR="68580" marT="0" marB="0" anchor="ctr">
+                    <a:lnL>
+                      <a:noFill/>
+                    </a:lnL>
+                    <a:lnR>
+                      <a:noFill/>
+                    </a:lnR>
+                    <a:lnT>
+                      <a:noFill/>
+                    </a:lnT>
+                    <a:lnB>
+                      <a:noFill/>
+                    </a:lnB>
+                  </a:tcPr>
+                </a:tc>
+                <a:tc>
+                  <a:txBody>
+                    <a:bodyPr/>
+                    <a:lstStyle/>
+                    <a:p>
+                      <a:pPr algn="ctr">
+                        <a:lnSpc>
+                          <a:spcPct val="130000"/>
+                        </a:lnSpc>
+                        <a:spcAft>
+                          <a:spcPts val="0"/>
+                        </a:spcAft>
+                      </a:pPr>
+                      <a:r>
+                        <a:rPr lang="en-US" sz="1200" kern="100">
+                          <a:effectLst/>
+                          <a:latin typeface="Times New Roman" panose="02020603050405020304" pitchFamily="18" charset="0"/>
+                          <a:ea typeface="宋体" panose="02010600030101010101" pitchFamily="2" charset="-122"/>
+                          <a:cs typeface="Times New Roman" panose="02020603050405020304" pitchFamily="18" charset="0"/>
+                        </a:rPr>
+                        <a:t>CHARCON</a:t>
+                      </a:r>
+                      <a:endParaRPr lang="zh-CN" sz="1200" kern="100">
+                        <a:effectLst/>
+                        <a:latin typeface="Times New Roman" panose="02020603050405020304" pitchFamily="18" charset="0"/>
+                        <a:ea typeface="宋体" panose="02010600030101010101" pitchFamily="2" charset="-122"/>
+                        <a:cs typeface="Times New Roman" panose="02020603050405020304" pitchFamily="18" charset="0"/>
+                      </a:endParaRPr>
+                    </a:p>
+                  </a:txBody>
+                  <a:tcPr marL="68580" marR="68580" marT="0" marB="0" anchor="ctr">
+                    <a:lnL>
+                      <a:noFill/>
+                    </a:lnL>
+                    <a:lnR w="12700" cap="flat" cmpd="sng" algn="ctr">
+                      <a:solidFill>
+                        <a:srgbClr val="000000"/>
+                      </a:solidFill>
+                      <a:prstDash val="solid"/>
+                      <a:round/>
+                      <a:headEnd type="none" w="med" len="med"/>
+                      <a:tailEnd type="none" w="med" len="med"/>
+                    </a:lnR>
+                    <a:lnT>
+                      <a:noFill/>
+                    </a:lnT>
+                    <a:lnB>
+                      <a:noFill/>
+                    </a:lnB>
+                  </a:tcPr>
+                </a:tc>
+                <a:tc>
+                  <a:txBody>
+                    <a:bodyPr/>
+                    <a:lstStyle/>
+                    <a:p>
+                      <a:pPr algn="ctr">
+                        <a:lnSpc>
+                          <a:spcPct val="130000"/>
+                        </a:lnSpc>
+                        <a:spcAft>
+                          <a:spcPts val="0"/>
+                        </a:spcAft>
+                      </a:pPr>
+                      <a:r>
+                        <a:rPr lang="en-US" sz="1200" kern="100">
+                          <a:effectLst/>
+                          <a:latin typeface="Times New Roman" panose="02020603050405020304" pitchFamily="18" charset="0"/>
+                          <a:ea typeface="宋体" panose="02010600030101010101" pitchFamily="2" charset="-122"/>
+                          <a:cs typeface="Times New Roman" panose="02020603050405020304" pitchFamily="18" charset="0"/>
+                        </a:rPr>
+                        <a:t>case</a:t>
+                      </a:r>
+                      <a:endParaRPr lang="zh-CN" sz="1200" kern="100">
+                        <a:effectLst/>
+                        <a:latin typeface="Times New Roman" panose="02020603050405020304" pitchFamily="18" charset="0"/>
+                        <a:ea typeface="宋体" panose="02010600030101010101" pitchFamily="2" charset="-122"/>
+                        <a:cs typeface="Times New Roman" panose="02020603050405020304" pitchFamily="18" charset="0"/>
+                      </a:endParaRPr>
+                    </a:p>
+                  </a:txBody>
+                  <a:tcPr marL="68580" marR="68580" marT="0" marB="0" anchor="ctr">
+                    <a:lnL w="12700" cap="flat" cmpd="sng" algn="ctr">
+                      <a:solidFill>
+                        <a:srgbClr val="000000"/>
+                      </a:solidFill>
+                      <a:prstDash val="solid"/>
+                      <a:round/>
+                      <a:headEnd type="none" w="med" len="med"/>
+                      <a:tailEnd type="none" w="med" len="med"/>
+                    </a:lnL>
+                    <a:lnR>
+                      <a:noFill/>
+                    </a:lnR>
+                    <a:lnT>
+                      <a:noFill/>
+                    </a:lnT>
+                    <a:lnB>
+                      <a:noFill/>
+                    </a:lnB>
+                  </a:tcPr>
+                </a:tc>
+                <a:tc>
+                  <a:txBody>
+                    <a:bodyPr/>
+                    <a:lstStyle/>
+                    <a:p>
+                      <a:pPr algn="ctr">
+                        <a:lnSpc>
+                          <a:spcPct val="130000"/>
+                        </a:lnSpc>
+                        <a:spcAft>
+                          <a:spcPts val="0"/>
+                        </a:spcAft>
+                      </a:pPr>
+                      <a:r>
+                        <a:rPr lang="en-US" sz="1200" kern="100">
+                          <a:effectLst/>
+                          <a:latin typeface="Times New Roman" panose="02020603050405020304" pitchFamily="18" charset="0"/>
+                          <a:ea typeface="宋体" panose="02010600030101010101" pitchFamily="2" charset="-122"/>
+                          <a:cs typeface="Times New Roman" panose="02020603050405020304" pitchFamily="18" charset="0"/>
+                        </a:rPr>
+                        <a:t>CASETK</a:t>
+                      </a:r>
+                      <a:endParaRPr lang="zh-CN" sz="1200" kern="100">
+                        <a:effectLst/>
+                        <a:latin typeface="Times New Roman" panose="02020603050405020304" pitchFamily="18" charset="0"/>
+                        <a:ea typeface="宋体" panose="02010600030101010101" pitchFamily="2" charset="-122"/>
+                        <a:cs typeface="Times New Roman" panose="02020603050405020304" pitchFamily="18" charset="0"/>
+                      </a:endParaRPr>
+                    </a:p>
+                  </a:txBody>
+                  <a:tcPr marL="68580" marR="68580" marT="0" marB="0" anchor="ctr">
+                    <a:lnL>
+                      <a:noFill/>
+                    </a:lnL>
+                    <a:lnR w="12700" cap="flat" cmpd="sng" algn="ctr">
+                      <a:solidFill>
+                        <a:srgbClr val="000000"/>
+                      </a:solidFill>
+                      <a:prstDash val="solid"/>
+                      <a:round/>
+                      <a:headEnd type="none" w="med" len="med"/>
+                      <a:tailEnd type="none" w="med" len="med"/>
+                    </a:lnR>
+                    <a:lnT>
+                      <a:noFill/>
+                    </a:lnT>
+                    <a:lnB>
+                      <a:noFill/>
+                    </a:lnB>
+                  </a:tcPr>
+                </a:tc>
+                <a:tc>
+                  <a:txBody>
+                    <a:bodyPr/>
+                    <a:lstStyle/>
+                    <a:p>
+                      <a:pPr algn="ctr">
+                        <a:lnSpc>
+                          <a:spcPct val="130000"/>
+                        </a:lnSpc>
+                        <a:spcAft>
+                          <a:spcPts val="0"/>
+                        </a:spcAft>
+                      </a:pPr>
+                      <a:r>
+                        <a:rPr lang="en-US" sz="1200" kern="100">
+                          <a:effectLst/>
+                          <a:latin typeface="Times New Roman" panose="02020603050405020304" pitchFamily="18" charset="0"/>
+                          <a:ea typeface="宋体" panose="02010600030101010101" pitchFamily="2" charset="-122"/>
+                          <a:cs typeface="Times New Roman" panose="02020603050405020304" pitchFamily="18" charset="0"/>
+                        </a:rPr>
+                        <a:t>/</a:t>
+                      </a:r>
+                      <a:endParaRPr lang="zh-CN" sz="1200" kern="100">
+                        <a:effectLst/>
+                        <a:latin typeface="Times New Roman" panose="02020603050405020304" pitchFamily="18" charset="0"/>
+                        <a:ea typeface="宋体" panose="02010600030101010101" pitchFamily="2" charset="-122"/>
+                        <a:cs typeface="Times New Roman" panose="02020603050405020304" pitchFamily="18" charset="0"/>
+                      </a:endParaRPr>
+                    </a:p>
+                  </a:txBody>
+                  <a:tcPr marL="68580" marR="68580" marT="0" marB="0" anchor="ctr">
+                    <a:lnL w="12700" cap="flat" cmpd="sng" algn="ctr">
+                      <a:solidFill>
+                        <a:srgbClr val="000000"/>
+                      </a:solidFill>
+                      <a:prstDash val="solid"/>
+                      <a:round/>
+                      <a:headEnd type="none" w="med" len="med"/>
+                      <a:tailEnd type="none" w="med" len="med"/>
+                    </a:lnL>
+                    <a:lnR>
+                      <a:noFill/>
+                    </a:lnR>
+                    <a:lnT>
+                      <a:noFill/>
+                    </a:lnT>
+                    <a:lnB>
+                      <a:noFill/>
+                    </a:lnB>
+                  </a:tcPr>
+                </a:tc>
+                <a:tc>
+                  <a:txBody>
+                    <a:bodyPr/>
+                    <a:lstStyle/>
+                    <a:p>
+                      <a:pPr algn="ctr">
+                        <a:lnSpc>
+                          <a:spcPct val="130000"/>
+                        </a:lnSpc>
+                        <a:spcAft>
+                          <a:spcPts val="0"/>
+                        </a:spcAft>
+                      </a:pPr>
+                      <a:r>
+                        <a:rPr lang="en-US" sz="1200" kern="100">
+                          <a:effectLst/>
+                          <a:latin typeface="Times New Roman" panose="02020603050405020304" pitchFamily="18" charset="0"/>
+                          <a:ea typeface="宋体" panose="02010600030101010101" pitchFamily="2" charset="-122"/>
+                          <a:cs typeface="Times New Roman" panose="02020603050405020304" pitchFamily="18" charset="0"/>
+                        </a:rPr>
+                        <a:t>DIV</a:t>
+                      </a:r>
+                      <a:endParaRPr lang="zh-CN" sz="1200" kern="100">
+                        <a:effectLst/>
+                        <a:latin typeface="Times New Roman" panose="02020603050405020304" pitchFamily="18" charset="0"/>
+                        <a:ea typeface="宋体" panose="02010600030101010101" pitchFamily="2" charset="-122"/>
+                        <a:cs typeface="Times New Roman" panose="02020603050405020304" pitchFamily="18" charset="0"/>
+                      </a:endParaRPr>
+                    </a:p>
+                  </a:txBody>
+                  <a:tcPr marL="68580" marR="68580" marT="0" marB="0" anchor="ctr">
+                    <a:lnL>
+                      <a:noFill/>
+                    </a:lnL>
+                    <a:lnR w="12700" cap="flat" cmpd="sng" algn="ctr">
+                      <a:solidFill>
+                        <a:srgbClr val="000000"/>
+                      </a:solidFill>
+                      <a:prstDash val="solid"/>
+                      <a:round/>
+                      <a:headEnd type="none" w="med" len="med"/>
+                      <a:tailEnd type="none" w="med" len="med"/>
+                    </a:lnR>
+                    <a:lnT>
+                      <a:noFill/>
+                    </a:lnT>
+                    <a:lnB>
+                      <a:noFill/>
+                    </a:lnB>
+                  </a:tcPr>
+                </a:tc>
+                <a:tc>
+                  <a:txBody>
+                    <a:bodyPr/>
+                    <a:lstStyle/>
+                    <a:p>
+                      <a:pPr algn="ctr">
+                        <a:lnSpc>
+                          <a:spcPct val="130000"/>
+                        </a:lnSpc>
+                        <a:spcAft>
+                          <a:spcPts val="0"/>
+                        </a:spcAft>
+                      </a:pPr>
+                      <a:r>
+                        <a:rPr lang="en-US" sz="1200" kern="100">
+                          <a:effectLst/>
+                          <a:latin typeface="Times New Roman" panose="02020603050405020304" pitchFamily="18" charset="0"/>
+                          <a:ea typeface="宋体" panose="02010600030101010101" pitchFamily="2" charset="-122"/>
+                          <a:cs typeface="Times New Roman" panose="02020603050405020304" pitchFamily="18" charset="0"/>
+                        </a:rPr>
+                        <a:t>,</a:t>
+                      </a:r>
+                      <a:endParaRPr lang="zh-CN" sz="1200" kern="100">
+                        <a:effectLst/>
+                        <a:latin typeface="Times New Roman" panose="02020603050405020304" pitchFamily="18" charset="0"/>
+                        <a:ea typeface="宋体" panose="02010600030101010101" pitchFamily="2" charset="-122"/>
+                        <a:cs typeface="Times New Roman" panose="02020603050405020304" pitchFamily="18" charset="0"/>
+                      </a:endParaRPr>
+                    </a:p>
+                  </a:txBody>
+                  <a:tcPr marL="68580" marR="68580" marT="0" marB="0" anchor="ctr">
+                    <a:lnL w="12700" cap="flat" cmpd="sng" algn="ctr">
+                      <a:solidFill>
+                        <a:srgbClr val="000000"/>
+                      </a:solidFill>
+                      <a:prstDash val="solid"/>
+                      <a:round/>
+                      <a:headEnd type="none" w="med" len="med"/>
+                      <a:tailEnd type="none" w="med" len="med"/>
+                    </a:lnL>
+                    <a:lnR>
+                      <a:noFill/>
+                    </a:lnR>
+                    <a:lnT>
+                      <a:noFill/>
+                    </a:lnT>
+                    <a:lnB>
+                      <a:noFill/>
+                    </a:lnB>
+                  </a:tcPr>
+                </a:tc>
+                <a:tc>
+                  <a:txBody>
+                    <a:bodyPr/>
+                    <a:lstStyle/>
+                    <a:p>
+                      <a:pPr algn="ctr">
+                        <a:lnSpc>
+                          <a:spcPct val="130000"/>
+                        </a:lnSpc>
+                        <a:spcAft>
+                          <a:spcPts val="0"/>
+                        </a:spcAft>
+                      </a:pPr>
+                      <a:r>
+                        <a:rPr lang="en-US" sz="1200" kern="100">
+                          <a:effectLst/>
+                          <a:latin typeface="Times New Roman" panose="02020603050405020304" pitchFamily="18" charset="0"/>
+                          <a:ea typeface="宋体" panose="02010600030101010101" pitchFamily="2" charset="-122"/>
+                          <a:cs typeface="Times New Roman" panose="02020603050405020304" pitchFamily="18" charset="0"/>
+                        </a:rPr>
+                        <a:t>COMMA</a:t>
+                      </a:r>
+                      <a:endParaRPr lang="zh-CN" sz="1200" kern="100">
+                        <a:effectLst/>
+                        <a:latin typeface="Times New Roman" panose="02020603050405020304" pitchFamily="18" charset="0"/>
+                        <a:ea typeface="宋体" panose="02010600030101010101" pitchFamily="2" charset="-122"/>
+                        <a:cs typeface="Times New Roman" panose="02020603050405020304" pitchFamily="18" charset="0"/>
+                      </a:endParaRPr>
+                    </a:p>
+                  </a:txBody>
+                  <a:tcPr marL="68580" marR="68580" marT="0" marB="0" anchor="ctr">
+                    <a:lnL>
+                      <a:noFill/>
+                    </a:lnL>
+                    <a:lnR>
+                      <a:noFill/>
+                    </a:lnR>
+                    <a:lnT>
+                      <a:noFill/>
+                    </a:lnT>
+                    <a:lnB>
+                      <a:noFill/>
+                    </a:lnB>
+                  </a:tcPr>
+                </a:tc>
+                <a:extLst>
+                  <a:ext uri="{0D108BD9-81ED-4DB2-BD59-A6C34878D82A}">
+                    <a16:rowId xmlns:a16="http://schemas.microsoft.com/office/drawing/2014/main" val="2982156054"/>
+                  </a:ext>
+                </a:extLst>
+              </a:tr>
+              <a:tr h="601399">
+                <a:tc>
+                  <a:txBody>
+                    <a:bodyPr/>
+                    <a:lstStyle/>
+                    <a:p>
+                      <a:pPr algn="ctr">
+                        <a:lnSpc>
+                          <a:spcPct val="130000"/>
+                        </a:lnSpc>
+                        <a:spcAft>
+                          <a:spcPts val="0"/>
+                        </a:spcAft>
+                      </a:pPr>
+                      <a:r>
+                        <a:rPr lang="zh-CN" sz="1200" kern="100">
+                          <a:effectLst/>
+                          <a:latin typeface="Times New Roman" panose="02020603050405020304" pitchFamily="18" charset="0"/>
+                          <a:ea typeface="宋体" panose="02010600030101010101" pitchFamily="2" charset="-122"/>
+                          <a:cs typeface="Times New Roman" panose="02020603050405020304" pitchFamily="18" charset="0"/>
+                        </a:rPr>
+                        <a:t>字符串</a:t>
+                      </a:r>
+                    </a:p>
+                  </a:txBody>
+                  <a:tcPr marL="68580" marR="68580" marT="0" marB="0" anchor="ctr">
+                    <a:lnL>
+                      <a:noFill/>
+                    </a:lnL>
+                    <a:lnR>
+                      <a:noFill/>
+                    </a:lnR>
+                    <a:lnT>
+                      <a:noFill/>
+                    </a:lnT>
+                    <a:lnB>
+                      <a:noFill/>
+                    </a:lnB>
+                  </a:tcPr>
+                </a:tc>
+                <a:tc>
+                  <a:txBody>
+                    <a:bodyPr/>
+                    <a:lstStyle/>
+                    <a:p>
+                      <a:pPr algn="ctr">
+                        <a:lnSpc>
+                          <a:spcPct val="130000"/>
+                        </a:lnSpc>
+                        <a:spcAft>
+                          <a:spcPts val="0"/>
+                        </a:spcAft>
+                      </a:pPr>
+                      <a:r>
+                        <a:rPr lang="en-US" sz="1200" kern="100">
+                          <a:effectLst/>
+                          <a:latin typeface="Times New Roman" panose="02020603050405020304" pitchFamily="18" charset="0"/>
+                          <a:ea typeface="宋体" panose="02010600030101010101" pitchFamily="2" charset="-122"/>
+                          <a:cs typeface="Times New Roman" panose="02020603050405020304" pitchFamily="18" charset="0"/>
+                        </a:rPr>
+                        <a:t>STRCON</a:t>
+                      </a:r>
+                      <a:endParaRPr lang="zh-CN" sz="1200" kern="100">
+                        <a:effectLst/>
+                        <a:latin typeface="Times New Roman" panose="02020603050405020304" pitchFamily="18" charset="0"/>
+                        <a:ea typeface="宋体" panose="02010600030101010101" pitchFamily="2" charset="-122"/>
+                        <a:cs typeface="Times New Roman" panose="02020603050405020304" pitchFamily="18" charset="0"/>
+                      </a:endParaRPr>
+                    </a:p>
+                  </a:txBody>
+                  <a:tcPr marL="68580" marR="68580" marT="0" marB="0" anchor="ctr">
+                    <a:lnL>
+                      <a:noFill/>
+                    </a:lnL>
+                    <a:lnR w="12700" cap="flat" cmpd="sng" algn="ctr">
+                      <a:solidFill>
+                        <a:srgbClr val="000000"/>
+                      </a:solidFill>
+                      <a:prstDash val="solid"/>
+                      <a:round/>
+                      <a:headEnd type="none" w="med" len="med"/>
+                      <a:tailEnd type="none" w="med" len="med"/>
+                    </a:lnR>
+                    <a:lnT>
+                      <a:noFill/>
+                    </a:lnT>
+                    <a:lnB>
+                      <a:noFill/>
+                    </a:lnB>
+                  </a:tcPr>
+                </a:tc>
+                <a:tc>
+                  <a:txBody>
+                    <a:bodyPr/>
+                    <a:lstStyle/>
+                    <a:p>
+                      <a:pPr algn="ctr">
+                        <a:lnSpc>
+                          <a:spcPct val="130000"/>
+                        </a:lnSpc>
+                        <a:spcAft>
+                          <a:spcPts val="0"/>
+                        </a:spcAft>
+                      </a:pPr>
+                      <a:r>
+                        <a:rPr lang="en-US" sz="1200" kern="100">
+                          <a:effectLst/>
+                          <a:latin typeface="Times New Roman" panose="02020603050405020304" pitchFamily="18" charset="0"/>
+                          <a:ea typeface="宋体" panose="02010600030101010101" pitchFamily="2" charset="-122"/>
+                          <a:cs typeface="Times New Roman" panose="02020603050405020304" pitchFamily="18" charset="0"/>
+                        </a:rPr>
+                        <a:t>default</a:t>
+                      </a:r>
+                      <a:endParaRPr lang="zh-CN" sz="1200" kern="100">
+                        <a:effectLst/>
+                        <a:latin typeface="Times New Roman" panose="02020603050405020304" pitchFamily="18" charset="0"/>
+                        <a:ea typeface="宋体" panose="02010600030101010101" pitchFamily="2" charset="-122"/>
+                        <a:cs typeface="Times New Roman" panose="02020603050405020304" pitchFamily="18" charset="0"/>
+                      </a:endParaRPr>
+                    </a:p>
+                  </a:txBody>
+                  <a:tcPr marL="68580" marR="68580" marT="0" marB="0" anchor="ctr">
+                    <a:lnL w="12700" cap="flat" cmpd="sng" algn="ctr">
+                      <a:solidFill>
+                        <a:srgbClr val="000000"/>
+                      </a:solidFill>
+                      <a:prstDash val="solid"/>
+                      <a:round/>
+                      <a:headEnd type="none" w="med" len="med"/>
+                      <a:tailEnd type="none" w="med" len="med"/>
+                    </a:lnL>
+                    <a:lnR>
+                      <a:noFill/>
+                    </a:lnR>
+                    <a:lnT>
+                      <a:noFill/>
+                    </a:lnT>
+                    <a:lnB>
+                      <a:noFill/>
+                    </a:lnB>
+                  </a:tcPr>
+                </a:tc>
+                <a:tc>
+                  <a:txBody>
+                    <a:bodyPr/>
+                    <a:lstStyle/>
+                    <a:p>
+                      <a:pPr algn="ctr">
+                        <a:lnSpc>
+                          <a:spcPct val="130000"/>
+                        </a:lnSpc>
+                        <a:spcAft>
+                          <a:spcPts val="0"/>
+                        </a:spcAft>
+                      </a:pPr>
+                      <a:r>
+                        <a:rPr lang="en-US" sz="1200" kern="100">
+                          <a:effectLst/>
+                          <a:latin typeface="Times New Roman" panose="02020603050405020304" pitchFamily="18" charset="0"/>
+                          <a:ea typeface="宋体" panose="02010600030101010101" pitchFamily="2" charset="-122"/>
+                          <a:cs typeface="Times New Roman" panose="02020603050405020304" pitchFamily="18" charset="0"/>
+                        </a:rPr>
+                        <a:t>DEFAULTTK</a:t>
+                      </a:r>
+                      <a:endParaRPr lang="zh-CN" sz="1200" kern="100">
+                        <a:effectLst/>
+                        <a:latin typeface="Times New Roman" panose="02020603050405020304" pitchFamily="18" charset="0"/>
+                        <a:ea typeface="宋体" panose="02010600030101010101" pitchFamily="2" charset="-122"/>
+                        <a:cs typeface="Times New Roman" panose="02020603050405020304" pitchFamily="18" charset="0"/>
+                      </a:endParaRPr>
+                    </a:p>
+                  </a:txBody>
+                  <a:tcPr marL="68580" marR="68580" marT="0" marB="0" anchor="ctr">
+                    <a:lnL>
+                      <a:noFill/>
+                    </a:lnL>
+                    <a:lnR w="12700" cap="flat" cmpd="sng" algn="ctr">
+                      <a:solidFill>
+                        <a:srgbClr val="000000"/>
+                      </a:solidFill>
+                      <a:prstDash val="solid"/>
+                      <a:round/>
+                      <a:headEnd type="none" w="med" len="med"/>
+                      <a:tailEnd type="none" w="med" len="med"/>
+                    </a:lnR>
+                    <a:lnT>
+                      <a:noFill/>
+                    </a:lnT>
+                    <a:lnB>
+                      <a:noFill/>
+                    </a:lnB>
+                  </a:tcPr>
+                </a:tc>
+                <a:tc>
+                  <a:txBody>
+                    <a:bodyPr/>
+                    <a:lstStyle/>
+                    <a:p>
+                      <a:pPr algn="ctr">
+                        <a:lnSpc>
+                          <a:spcPct val="130000"/>
+                        </a:lnSpc>
+                        <a:spcAft>
+                          <a:spcPts val="0"/>
+                        </a:spcAft>
+                      </a:pPr>
+                      <a:r>
+                        <a:rPr lang="en-US" sz="1200" kern="100">
+                          <a:effectLst/>
+                          <a:latin typeface="Times New Roman" panose="02020603050405020304" pitchFamily="18" charset="0"/>
+                          <a:ea typeface="宋体" panose="02010600030101010101" pitchFamily="2" charset="-122"/>
+                          <a:cs typeface="Times New Roman" panose="02020603050405020304" pitchFamily="18" charset="0"/>
+                        </a:rPr>
+                        <a:t>&lt; </a:t>
+                      </a:r>
+                      <a:endParaRPr lang="zh-CN" sz="1200" kern="100">
+                        <a:effectLst/>
+                        <a:latin typeface="Times New Roman" panose="02020603050405020304" pitchFamily="18" charset="0"/>
+                        <a:ea typeface="宋体" panose="02010600030101010101" pitchFamily="2" charset="-122"/>
+                        <a:cs typeface="Times New Roman" panose="02020603050405020304" pitchFamily="18" charset="0"/>
+                      </a:endParaRPr>
+                    </a:p>
+                  </a:txBody>
+                  <a:tcPr marL="68580" marR="68580" marT="0" marB="0" anchor="ctr">
+                    <a:lnL w="12700" cap="flat" cmpd="sng" algn="ctr">
+                      <a:solidFill>
+                        <a:srgbClr val="000000"/>
+                      </a:solidFill>
+                      <a:prstDash val="solid"/>
+                      <a:round/>
+                      <a:headEnd type="none" w="med" len="med"/>
+                      <a:tailEnd type="none" w="med" len="med"/>
+                    </a:lnL>
+                    <a:lnR>
+                      <a:noFill/>
+                    </a:lnR>
+                    <a:lnT>
+                      <a:noFill/>
+                    </a:lnT>
+                    <a:lnB>
+                      <a:noFill/>
+                    </a:lnB>
+                  </a:tcPr>
+                </a:tc>
+                <a:tc>
+                  <a:txBody>
+                    <a:bodyPr/>
+                    <a:lstStyle/>
+                    <a:p>
+                      <a:pPr algn="ctr">
+                        <a:lnSpc>
+                          <a:spcPct val="130000"/>
+                        </a:lnSpc>
+                        <a:spcAft>
+                          <a:spcPts val="0"/>
+                        </a:spcAft>
+                      </a:pPr>
+                      <a:r>
+                        <a:rPr lang="en-US" sz="1200" kern="100">
+                          <a:effectLst/>
+                          <a:latin typeface="Times New Roman" panose="02020603050405020304" pitchFamily="18" charset="0"/>
+                          <a:ea typeface="宋体" panose="02010600030101010101" pitchFamily="2" charset="-122"/>
+                          <a:cs typeface="Times New Roman" panose="02020603050405020304" pitchFamily="18" charset="0"/>
+                        </a:rPr>
+                        <a:t>LSS</a:t>
+                      </a:r>
+                      <a:endParaRPr lang="zh-CN" sz="1200" kern="100">
+                        <a:effectLst/>
+                        <a:latin typeface="Times New Roman" panose="02020603050405020304" pitchFamily="18" charset="0"/>
+                        <a:ea typeface="宋体" panose="02010600030101010101" pitchFamily="2" charset="-122"/>
+                        <a:cs typeface="Times New Roman" panose="02020603050405020304" pitchFamily="18" charset="0"/>
+                      </a:endParaRPr>
+                    </a:p>
+                  </a:txBody>
+                  <a:tcPr marL="68580" marR="68580" marT="0" marB="0" anchor="ctr">
+                    <a:lnL>
+                      <a:noFill/>
+                    </a:lnL>
+                    <a:lnR w="12700" cap="flat" cmpd="sng" algn="ctr">
+                      <a:solidFill>
+                        <a:srgbClr val="000000"/>
+                      </a:solidFill>
+                      <a:prstDash val="solid"/>
+                      <a:round/>
+                      <a:headEnd type="none" w="med" len="med"/>
+                      <a:tailEnd type="none" w="med" len="med"/>
+                    </a:lnR>
+                    <a:lnT>
+                      <a:noFill/>
+                    </a:lnT>
+                    <a:lnB>
+                      <a:noFill/>
+                    </a:lnB>
+                  </a:tcPr>
+                </a:tc>
+                <a:tc>
+                  <a:txBody>
+                    <a:bodyPr/>
+                    <a:lstStyle/>
+                    <a:p>
+                      <a:pPr algn="ctr">
+                        <a:lnSpc>
+                          <a:spcPct val="130000"/>
+                        </a:lnSpc>
+                        <a:spcAft>
+                          <a:spcPts val="0"/>
+                        </a:spcAft>
+                      </a:pPr>
+                      <a:r>
+                        <a:rPr lang="en-US" sz="1200" kern="100">
+                          <a:effectLst/>
+                          <a:latin typeface="Times New Roman" panose="02020603050405020304" pitchFamily="18" charset="0"/>
+                          <a:ea typeface="宋体" panose="02010600030101010101" pitchFamily="2" charset="-122"/>
+                          <a:cs typeface="Times New Roman" panose="02020603050405020304" pitchFamily="18" charset="0"/>
+                        </a:rPr>
+                        <a:t>(</a:t>
+                      </a:r>
+                      <a:endParaRPr lang="zh-CN" sz="1200" kern="100">
+                        <a:effectLst/>
+                        <a:latin typeface="Times New Roman" panose="02020603050405020304" pitchFamily="18" charset="0"/>
+                        <a:ea typeface="宋体" panose="02010600030101010101" pitchFamily="2" charset="-122"/>
+                        <a:cs typeface="Times New Roman" panose="02020603050405020304" pitchFamily="18" charset="0"/>
+                      </a:endParaRPr>
+                    </a:p>
+                  </a:txBody>
+                  <a:tcPr marL="68580" marR="68580" marT="0" marB="0" anchor="ctr">
+                    <a:lnL w="12700" cap="flat" cmpd="sng" algn="ctr">
+                      <a:solidFill>
+                        <a:srgbClr val="000000"/>
+                      </a:solidFill>
+                      <a:prstDash val="solid"/>
+                      <a:round/>
+                      <a:headEnd type="none" w="med" len="med"/>
+                      <a:tailEnd type="none" w="med" len="med"/>
+                    </a:lnL>
+                    <a:lnR>
+                      <a:noFill/>
+                    </a:lnR>
+                    <a:lnT>
+                      <a:noFill/>
+                    </a:lnT>
+                    <a:lnB>
+                      <a:noFill/>
+                    </a:lnB>
+                  </a:tcPr>
+                </a:tc>
+                <a:tc>
+                  <a:txBody>
+                    <a:bodyPr/>
+                    <a:lstStyle/>
+                    <a:p>
+                      <a:pPr algn="ctr">
+                        <a:lnSpc>
+                          <a:spcPct val="130000"/>
+                        </a:lnSpc>
+                        <a:spcAft>
+                          <a:spcPts val="0"/>
+                        </a:spcAft>
+                      </a:pPr>
+                      <a:r>
+                        <a:rPr lang="en-US" sz="1200" kern="100">
+                          <a:effectLst/>
+                          <a:latin typeface="Times New Roman" panose="02020603050405020304" pitchFamily="18" charset="0"/>
+                          <a:ea typeface="宋体" panose="02010600030101010101" pitchFamily="2" charset="-122"/>
+                          <a:cs typeface="Times New Roman" panose="02020603050405020304" pitchFamily="18" charset="0"/>
+                        </a:rPr>
+                        <a:t>LPARENT</a:t>
+                      </a:r>
+                      <a:endParaRPr lang="zh-CN" sz="1200" kern="100">
+                        <a:effectLst/>
+                        <a:latin typeface="Times New Roman" panose="02020603050405020304" pitchFamily="18" charset="0"/>
+                        <a:ea typeface="宋体" panose="02010600030101010101" pitchFamily="2" charset="-122"/>
+                        <a:cs typeface="Times New Roman" panose="02020603050405020304" pitchFamily="18" charset="0"/>
+                      </a:endParaRPr>
+                    </a:p>
+                  </a:txBody>
+                  <a:tcPr marL="68580" marR="68580" marT="0" marB="0" anchor="ctr">
+                    <a:lnL>
+                      <a:noFill/>
+                    </a:lnL>
+                    <a:lnR>
+                      <a:noFill/>
+                    </a:lnR>
+                    <a:lnT>
+                      <a:noFill/>
+                    </a:lnT>
+                    <a:lnB>
+                      <a:noFill/>
+                    </a:lnB>
+                  </a:tcPr>
+                </a:tc>
+                <a:extLst>
+                  <a:ext uri="{0D108BD9-81ED-4DB2-BD59-A6C34878D82A}">
+                    <a16:rowId xmlns:a16="http://schemas.microsoft.com/office/drawing/2014/main" val="1196036693"/>
+                  </a:ext>
+                </a:extLst>
+              </a:tr>
+              <a:tr h="601399">
+                <a:tc>
+                  <a:txBody>
+                    <a:bodyPr/>
+                    <a:lstStyle/>
+                    <a:p>
+                      <a:pPr algn="ctr">
+                        <a:lnSpc>
+                          <a:spcPct val="130000"/>
+                        </a:lnSpc>
+                        <a:spcAft>
+                          <a:spcPts val="0"/>
+                        </a:spcAft>
+                      </a:pPr>
+                      <a:r>
+                        <a:rPr lang="en-US" sz="1200" kern="100">
+                          <a:effectLst/>
+                          <a:latin typeface="Times New Roman" panose="02020603050405020304" pitchFamily="18" charset="0"/>
+                          <a:ea typeface="宋体" panose="02010600030101010101" pitchFamily="2" charset="-122"/>
+                          <a:cs typeface="Times New Roman" panose="02020603050405020304" pitchFamily="18" charset="0"/>
+                        </a:rPr>
+                        <a:t>const</a:t>
+                      </a:r>
+                      <a:endParaRPr lang="zh-CN" sz="1200" kern="100">
+                        <a:effectLst/>
+                        <a:latin typeface="Times New Roman" panose="02020603050405020304" pitchFamily="18" charset="0"/>
+                        <a:ea typeface="宋体" panose="02010600030101010101" pitchFamily="2" charset="-122"/>
+                        <a:cs typeface="Times New Roman" panose="02020603050405020304" pitchFamily="18" charset="0"/>
+                      </a:endParaRPr>
+                    </a:p>
+                  </a:txBody>
+                  <a:tcPr marL="68580" marR="68580" marT="0" marB="0" anchor="ctr">
+                    <a:lnL>
+                      <a:noFill/>
+                    </a:lnL>
+                    <a:lnR>
+                      <a:noFill/>
+                    </a:lnR>
+                    <a:lnT>
+                      <a:noFill/>
+                    </a:lnT>
+                    <a:lnB>
+                      <a:noFill/>
+                    </a:lnB>
+                  </a:tcPr>
+                </a:tc>
+                <a:tc>
+                  <a:txBody>
+                    <a:bodyPr/>
+                    <a:lstStyle/>
+                    <a:p>
+                      <a:pPr algn="ctr">
+                        <a:lnSpc>
+                          <a:spcPct val="130000"/>
+                        </a:lnSpc>
+                        <a:spcAft>
+                          <a:spcPts val="0"/>
+                        </a:spcAft>
+                      </a:pPr>
+                      <a:r>
+                        <a:rPr lang="en-US" sz="1200" kern="100">
+                          <a:effectLst/>
+                          <a:latin typeface="Times New Roman" panose="02020603050405020304" pitchFamily="18" charset="0"/>
+                          <a:ea typeface="宋体" panose="02010600030101010101" pitchFamily="2" charset="-122"/>
+                          <a:cs typeface="Times New Roman" panose="02020603050405020304" pitchFamily="18" charset="0"/>
+                        </a:rPr>
+                        <a:t>CONSTTK</a:t>
+                      </a:r>
+                      <a:endParaRPr lang="zh-CN" sz="1200" kern="100">
+                        <a:effectLst/>
+                        <a:latin typeface="Times New Roman" panose="02020603050405020304" pitchFamily="18" charset="0"/>
+                        <a:ea typeface="宋体" panose="02010600030101010101" pitchFamily="2" charset="-122"/>
+                        <a:cs typeface="Times New Roman" panose="02020603050405020304" pitchFamily="18" charset="0"/>
+                      </a:endParaRPr>
+                    </a:p>
+                  </a:txBody>
+                  <a:tcPr marL="68580" marR="68580" marT="0" marB="0" anchor="ctr">
+                    <a:lnL>
+                      <a:noFill/>
+                    </a:lnL>
+                    <a:lnR w="12700" cap="flat" cmpd="sng" algn="ctr">
+                      <a:solidFill>
+                        <a:srgbClr val="000000"/>
+                      </a:solidFill>
+                      <a:prstDash val="solid"/>
+                      <a:round/>
+                      <a:headEnd type="none" w="med" len="med"/>
+                      <a:tailEnd type="none" w="med" len="med"/>
+                    </a:lnR>
+                    <a:lnT>
+                      <a:noFill/>
+                    </a:lnT>
+                    <a:lnB>
+                      <a:noFill/>
+                    </a:lnB>
+                  </a:tcPr>
+                </a:tc>
+                <a:tc>
+                  <a:txBody>
+                    <a:bodyPr/>
+                    <a:lstStyle/>
+                    <a:p>
+                      <a:pPr algn="ctr">
+                        <a:lnSpc>
+                          <a:spcPct val="130000"/>
+                        </a:lnSpc>
+                        <a:spcAft>
+                          <a:spcPts val="0"/>
+                        </a:spcAft>
+                      </a:pPr>
+                      <a:r>
+                        <a:rPr lang="en-US" sz="1200" kern="100">
+                          <a:effectLst/>
+                          <a:latin typeface="Times New Roman" panose="02020603050405020304" pitchFamily="18" charset="0"/>
+                          <a:ea typeface="宋体" panose="02010600030101010101" pitchFamily="2" charset="-122"/>
+                          <a:cs typeface="Times New Roman" panose="02020603050405020304" pitchFamily="18" charset="0"/>
+                        </a:rPr>
+                        <a:t>while</a:t>
+                      </a:r>
+                      <a:endParaRPr lang="zh-CN" sz="1200" kern="100">
+                        <a:effectLst/>
+                        <a:latin typeface="Times New Roman" panose="02020603050405020304" pitchFamily="18" charset="0"/>
+                        <a:ea typeface="宋体" panose="02010600030101010101" pitchFamily="2" charset="-122"/>
+                        <a:cs typeface="Times New Roman" panose="02020603050405020304" pitchFamily="18" charset="0"/>
+                      </a:endParaRPr>
+                    </a:p>
+                  </a:txBody>
+                  <a:tcPr marL="68580" marR="68580" marT="0" marB="0" anchor="ctr">
+                    <a:lnL w="12700" cap="flat" cmpd="sng" algn="ctr">
+                      <a:solidFill>
+                        <a:srgbClr val="000000"/>
+                      </a:solidFill>
+                      <a:prstDash val="solid"/>
+                      <a:round/>
+                      <a:headEnd type="none" w="med" len="med"/>
+                      <a:tailEnd type="none" w="med" len="med"/>
+                    </a:lnL>
+                    <a:lnR>
+                      <a:noFill/>
+                    </a:lnR>
+                    <a:lnT>
+                      <a:noFill/>
+                    </a:lnT>
+                    <a:lnB>
+                      <a:noFill/>
+                    </a:lnB>
+                  </a:tcPr>
+                </a:tc>
+                <a:tc>
+                  <a:txBody>
+                    <a:bodyPr/>
+                    <a:lstStyle/>
+                    <a:p>
+                      <a:pPr algn="ctr">
+                        <a:lnSpc>
+                          <a:spcPct val="130000"/>
+                        </a:lnSpc>
+                        <a:spcAft>
+                          <a:spcPts val="0"/>
+                        </a:spcAft>
+                      </a:pPr>
+                      <a:r>
+                        <a:rPr lang="en-US" sz="1200" kern="100">
+                          <a:effectLst/>
+                          <a:latin typeface="Times New Roman" panose="02020603050405020304" pitchFamily="18" charset="0"/>
+                          <a:ea typeface="宋体" panose="02010600030101010101" pitchFamily="2" charset="-122"/>
+                          <a:cs typeface="Times New Roman" panose="02020603050405020304" pitchFamily="18" charset="0"/>
+                        </a:rPr>
+                        <a:t>WHILETK</a:t>
+                      </a:r>
+                      <a:endParaRPr lang="zh-CN" sz="1200" kern="100">
+                        <a:effectLst/>
+                        <a:latin typeface="Times New Roman" panose="02020603050405020304" pitchFamily="18" charset="0"/>
+                        <a:ea typeface="宋体" panose="02010600030101010101" pitchFamily="2" charset="-122"/>
+                        <a:cs typeface="Times New Roman" panose="02020603050405020304" pitchFamily="18" charset="0"/>
+                      </a:endParaRPr>
+                    </a:p>
+                  </a:txBody>
+                  <a:tcPr marL="68580" marR="68580" marT="0" marB="0" anchor="ctr">
+                    <a:lnL>
+                      <a:noFill/>
+                    </a:lnL>
+                    <a:lnR w="12700" cap="flat" cmpd="sng" algn="ctr">
+                      <a:solidFill>
+                        <a:srgbClr val="000000"/>
+                      </a:solidFill>
+                      <a:prstDash val="solid"/>
+                      <a:round/>
+                      <a:headEnd type="none" w="med" len="med"/>
+                      <a:tailEnd type="none" w="med" len="med"/>
+                    </a:lnR>
+                    <a:lnT>
+                      <a:noFill/>
+                    </a:lnT>
+                    <a:lnB>
+                      <a:noFill/>
+                    </a:lnB>
+                  </a:tcPr>
+                </a:tc>
+                <a:tc>
+                  <a:txBody>
+                    <a:bodyPr/>
+                    <a:lstStyle/>
+                    <a:p>
+                      <a:pPr algn="ctr">
+                        <a:lnSpc>
+                          <a:spcPct val="130000"/>
+                        </a:lnSpc>
+                        <a:spcAft>
+                          <a:spcPts val="0"/>
+                        </a:spcAft>
+                      </a:pPr>
+                      <a:r>
+                        <a:rPr lang="en-US" sz="1200" kern="100">
+                          <a:effectLst/>
+                          <a:latin typeface="Times New Roman" panose="02020603050405020304" pitchFamily="18" charset="0"/>
+                          <a:ea typeface="宋体" panose="02010600030101010101" pitchFamily="2" charset="-122"/>
+                          <a:cs typeface="Times New Roman" panose="02020603050405020304" pitchFamily="18" charset="0"/>
+                        </a:rPr>
+                        <a:t>&lt;=</a:t>
+                      </a:r>
+                      <a:endParaRPr lang="zh-CN" sz="1200" kern="100">
+                        <a:effectLst/>
+                        <a:latin typeface="Times New Roman" panose="02020603050405020304" pitchFamily="18" charset="0"/>
+                        <a:ea typeface="宋体" panose="02010600030101010101" pitchFamily="2" charset="-122"/>
+                        <a:cs typeface="Times New Roman" panose="02020603050405020304" pitchFamily="18" charset="0"/>
+                      </a:endParaRPr>
+                    </a:p>
+                  </a:txBody>
+                  <a:tcPr marL="68580" marR="68580" marT="0" marB="0" anchor="ctr">
+                    <a:lnL w="12700" cap="flat" cmpd="sng" algn="ctr">
+                      <a:solidFill>
+                        <a:srgbClr val="000000"/>
+                      </a:solidFill>
+                      <a:prstDash val="solid"/>
+                      <a:round/>
+                      <a:headEnd type="none" w="med" len="med"/>
+                      <a:tailEnd type="none" w="med" len="med"/>
+                    </a:lnL>
+                    <a:lnR>
+                      <a:noFill/>
+                    </a:lnR>
+                    <a:lnT>
+                      <a:noFill/>
+                    </a:lnT>
+                    <a:lnB>
+                      <a:noFill/>
+                    </a:lnB>
+                  </a:tcPr>
+                </a:tc>
+                <a:tc>
+                  <a:txBody>
+                    <a:bodyPr/>
+                    <a:lstStyle/>
+                    <a:p>
+                      <a:pPr algn="ctr">
+                        <a:lnSpc>
+                          <a:spcPct val="130000"/>
+                        </a:lnSpc>
+                        <a:spcAft>
+                          <a:spcPts val="0"/>
+                        </a:spcAft>
+                      </a:pPr>
+                      <a:r>
+                        <a:rPr lang="en-US" sz="1200" kern="100">
+                          <a:effectLst/>
+                          <a:latin typeface="Times New Roman" panose="02020603050405020304" pitchFamily="18" charset="0"/>
+                          <a:ea typeface="宋体" panose="02010600030101010101" pitchFamily="2" charset="-122"/>
+                          <a:cs typeface="Times New Roman" panose="02020603050405020304" pitchFamily="18" charset="0"/>
+                        </a:rPr>
+                        <a:t>LEQ</a:t>
+                      </a:r>
+                      <a:endParaRPr lang="zh-CN" sz="1200" kern="100">
+                        <a:effectLst/>
+                        <a:latin typeface="Times New Roman" panose="02020603050405020304" pitchFamily="18" charset="0"/>
+                        <a:ea typeface="宋体" panose="02010600030101010101" pitchFamily="2" charset="-122"/>
+                        <a:cs typeface="Times New Roman" panose="02020603050405020304" pitchFamily="18" charset="0"/>
+                      </a:endParaRPr>
+                    </a:p>
+                  </a:txBody>
+                  <a:tcPr marL="68580" marR="68580" marT="0" marB="0" anchor="ctr">
+                    <a:lnL>
+                      <a:noFill/>
+                    </a:lnL>
+                    <a:lnR w="12700" cap="flat" cmpd="sng" algn="ctr">
+                      <a:solidFill>
+                        <a:srgbClr val="000000"/>
+                      </a:solidFill>
+                      <a:prstDash val="solid"/>
+                      <a:round/>
+                      <a:headEnd type="none" w="med" len="med"/>
+                      <a:tailEnd type="none" w="med" len="med"/>
+                    </a:lnR>
+                    <a:lnT>
+                      <a:noFill/>
+                    </a:lnT>
+                    <a:lnB>
+                      <a:noFill/>
+                    </a:lnB>
+                  </a:tcPr>
+                </a:tc>
+                <a:tc>
+                  <a:txBody>
+                    <a:bodyPr/>
+                    <a:lstStyle/>
+                    <a:p>
+                      <a:pPr algn="ctr">
+                        <a:lnSpc>
+                          <a:spcPct val="130000"/>
+                        </a:lnSpc>
+                        <a:spcAft>
+                          <a:spcPts val="0"/>
+                        </a:spcAft>
+                      </a:pPr>
+                      <a:r>
+                        <a:rPr lang="en-US" sz="1200" kern="100">
+                          <a:effectLst/>
+                          <a:latin typeface="Times New Roman" panose="02020603050405020304" pitchFamily="18" charset="0"/>
+                          <a:ea typeface="宋体" panose="02010600030101010101" pitchFamily="2" charset="-122"/>
+                          <a:cs typeface="Times New Roman" panose="02020603050405020304" pitchFamily="18" charset="0"/>
+                        </a:rPr>
+                        <a:t>)</a:t>
+                      </a:r>
+                      <a:endParaRPr lang="zh-CN" sz="1200" kern="100">
+                        <a:effectLst/>
+                        <a:latin typeface="Times New Roman" panose="02020603050405020304" pitchFamily="18" charset="0"/>
+                        <a:ea typeface="宋体" panose="02010600030101010101" pitchFamily="2" charset="-122"/>
+                        <a:cs typeface="Times New Roman" panose="02020603050405020304" pitchFamily="18" charset="0"/>
+                      </a:endParaRPr>
+                    </a:p>
+                  </a:txBody>
+                  <a:tcPr marL="68580" marR="68580" marT="0" marB="0" anchor="ctr">
+                    <a:lnL w="12700" cap="flat" cmpd="sng" algn="ctr">
+                      <a:solidFill>
+                        <a:srgbClr val="000000"/>
+                      </a:solidFill>
+                      <a:prstDash val="solid"/>
+                      <a:round/>
+                      <a:headEnd type="none" w="med" len="med"/>
+                      <a:tailEnd type="none" w="med" len="med"/>
+                    </a:lnL>
+                    <a:lnR>
+                      <a:noFill/>
+                    </a:lnR>
+                    <a:lnT>
+                      <a:noFill/>
+                    </a:lnT>
+                    <a:lnB>
+                      <a:noFill/>
+                    </a:lnB>
+                  </a:tcPr>
+                </a:tc>
+                <a:tc>
+                  <a:txBody>
+                    <a:bodyPr/>
+                    <a:lstStyle/>
+                    <a:p>
+                      <a:pPr algn="ctr">
+                        <a:lnSpc>
+                          <a:spcPct val="130000"/>
+                        </a:lnSpc>
+                        <a:spcAft>
+                          <a:spcPts val="0"/>
+                        </a:spcAft>
+                      </a:pPr>
+                      <a:r>
+                        <a:rPr lang="en-US" sz="1200" kern="100">
+                          <a:effectLst/>
+                          <a:latin typeface="Times New Roman" panose="02020603050405020304" pitchFamily="18" charset="0"/>
+                          <a:ea typeface="宋体" panose="02010600030101010101" pitchFamily="2" charset="-122"/>
+                          <a:cs typeface="Times New Roman" panose="02020603050405020304" pitchFamily="18" charset="0"/>
+                        </a:rPr>
+                        <a:t>RPARENT</a:t>
+                      </a:r>
+                      <a:endParaRPr lang="zh-CN" sz="1200" kern="100">
+                        <a:effectLst/>
+                        <a:latin typeface="Times New Roman" panose="02020603050405020304" pitchFamily="18" charset="0"/>
+                        <a:ea typeface="宋体" panose="02010600030101010101" pitchFamily="2" charset="-122"/>
+                        <a:cs typeface="Times New Roman" panose="02020603050405020304" pitchFamily="18" charset="0"/>
+                      </a:endParaRPr>
+                    </a:p>
+                  </a:txBody>
+                  <a:tcPr marL="68580" marR="68580" marT="0" marB="0" anchor="ctr">
+                    <a:lnL>
+                      <a:noFill/>
+                    </a:lnL>
+                    <a:lnR>
+                      <a:noFill/>
+                    </a:lnR>
+                    <a:lnT>
+                      <a:noFill/>
+                    </a:lnT>
+                    <a:lnB>
+                      <a:noFill/>
+                    </a:lnB>
+                  </a:tcPr>
+                </a:tc>
+                <a:extLst>
+                  <a:ext uri="{0D108BD9-81ED-4DB2-BD59-A6C34878D82A}">
+                    <a16:rowId xmlns:a16="http://schemas.microsoft.com/office/drawing/2014/main" val="2301470582"/>
+                  </a:ext>
+                </a:extLst>
+              </a:tr>
+              <a:tr h="284891">
+                <a:tc>
+                  <a:txBody>
+                    <a:bodyPr/>
+                    <a:lstStyle/>
+                    <a:p>
+                      <a:pPr algn="ctr">
+                        <a:lnSpc>
+                          <a:spcPct val="130000"/>
+                        </a:lnSpc>
+                        <a:spcAft>
+                          <a:spcPts val="0"/>
+                        </a:spcAft>
+                      </a:pPr>
+                      <a:r>
+                        <a:rPr lang="en-US" sz="1200" kern="100">
+                          <a:effectLst/>
+                          <a:latin typeface="Times New Roman" panose="02020603050405020304" pitchFamily="18" charset="0"/>
+                          <a:ea typeface="宋体" panose="02010600030101010101" pitchFamily="2" charset="-122"/>
+                          <a:cs typeface="Times New Roman" panose="02020603050405020304" pitchFamily="18" charset="0"/>
+                        </a:rPr>
+                        <a:t>int</a:t>
+                      </a:r>
+                      <a:endParaRPr lang="zh-CN" sz="1200" kern="100">
+                        <a:effectLst/>
+                        <a:latin typeface="Times New Roman" panose="02020603050405020304" pitchFamily="18" charset="0"/>
+                        <a:ea typeface="宋体" panose="02010600030101010101" pitchFamily="2" charset="-122"/>
+                        <a:cs typeface="Times New Roman" panose="02020603050405020304" pitchFamily="18" charset="0"/>
+                      </a:endParaRPr>
+                    </a:p>
+                  </a:txBody>
+                  <a:tcPr marL="68580" marR="68580" marT="0" marB="0" anchor="ctr">
+                    <a:lnL>
+                      <a:noFill/>
+                    </a:lnL>
+                    <a:lnR>
+                      <a:noFill/>
+                    </a:lnR>
+                    <a:lnT>
+                      <a:noFill/>
+                    </a:lnT>
+                    <a:lnB>
+                      <a:noFill/>
+                    </a:lnB>
+                  </a:tcPr>
+                </a:tc>
+                <a:tc>
+                  <a:txBody>
+                    <a:bodyPr/>
+                    <a:lstStyle/>
+                    <a:p>
+                      <a:pPr algn="ctr">
+                        <a:lnSpc>
+                          <a:spcPct val="130000"/>
+                        </a:lnSpc>
+                        <a:spcAft>
+                          <a:spcPts val="0"/>
+                        </a:spcAft>
+                      </a:pPr>
+                      <a:r>
+                        <a:rPr lang="en-US" sz="1200" kern="100">
+                          <a:effectLst/>
+                          <a:latin typeface="Times New Roman" panose="02020603050405020304" pitchFamily="18" charset="0"/>
+                          <a:ea typeface="宋体" panose="02010600030101010101" pitchFamily="2" charset="-122"/>
+                          <a:cs typeface="Times New Roman" panose="02020603050405020304" pitchFamily="18" charset="0"/>
+                        </a:rPr>
+                        <a:t>INTTK</a:t>
+                      </a:r>
+                      <a:endParaRPr lang="zh-CN" sz="1200" kern="100">
+                        <a:effectLst/>
+                        <a:latin typeface="Times New Roman" panose="02020603050405020304" pitchFamily="18" charset="0"/>
+                        <a:ea typeface="宋体" panose="02010600030101010101" pitchFamily="2" charset="-122"/>
+                        <a:cs typeface="Times New Roman" panose="02020603050405020304" pitchFamily="18" charset="0"/>
+                      </a:endParaRPr>
+                    </a:p>
+                  </a:txBody>
+                  <a:tcPr marL="68580" marR="68580" marT="0" marB="0" anchor="ctr">
+                    <a:lnL>
+                      <a:noFill/>
+                    </a:lnL>
+                    <a:lnR w="12700" cap="flat" cmpd="sng" algn="ctr">
+                      <a:solidFill>
+                        <a:srgbClr val="000000"/>
+                      </a:solidFill>
+                      <a:prstDash val="solid"/>
+                      <a:round/>
+                      <a:headEnd type="none" w="med" len="med"/>
+                      <a:tailEnd type="none" w="med" len="med"/>
+                    </a:lnR>
+                    <a:lnT>
+                      <a:noFill/>
+                    </a:lnT>
+                    <a:lnB>
+                      <a:noFill/>
+                    </a:lnB>
+                  </a:tcPr>
+                </a:tc>
+                <a:tc>
+                  <a:txBody>
+                    <a:bodyPr/>
+                    <a:lstStyle/>
+                    <a:p>
+                      <a:pPr algn="ctr">
+                        <a:lnSpc>
+                          <a:spcPct val="130000"/>
+                        </a:lnSpc>
+                        <a:spcAft>
+                          <a:spcPts val="0"/>
+                        </a:spcAft>
+                      </a:pPr>
+                      <a:r>
+                        <a:rPr lang="en-US" sz="1200" kern="100">
+                          <a:effectLst/>
+                          <a:latin typeface="Times New Roman" panose="02020603050405020304" pitchFamily="18" charset="0"/>
+                          <a:ea typeface="宋体" panose="02010600030101010101" pitchFamily="2" charset="-122"/>
+                          <a:cs typeface="Times New Roman" panose="02020603050405020304" pitchFamily="18" charset="0"/>
+                        </a:rPr>
+                        <a:t>for</a:t>
+                      </a:r>
+                      <a:endParaRPr lang="zh-CN" sz="1200" kern="100">
+                        <a:effectLst/>
+                        <a:latin typeface="Times New Roman" panose="02020603050405020304" pitchFamily="18" charset="0"/>
+                        <a:ea typeface="宋体" panose="02010600030101010101" pitchFamily="2" charset="-122"/>
+                        <a:cs typeface="Times New Roman" panose="02020603050405020304" pitchFamily="18" charset="0"/>
+                      </a:endParaRPr>
+                    </a:p>
+                  </a:txBody>
+                  <a:tcPr marL="68580" marR="68580" marT="0" marB="0" anchor="ctr">
+                    <a:lnL w="12700" cap="flat" cmpd="sng" algn="ctr">
+                      <a:solidFill>
+                        <a:srgbClr val="000000"/>
+                      </a:solidFill>
+                      <a:prstDash val="solid"/>
+                      <a:round/>
+                      <a:headEnd type="none" w="med" len="med"/>
+                      <a:tailEnd type="none" w="med" len="med"/>
+                    </a:lnL>
+                    <a:lnR>
+                      <a:noFill/>
+                    </a:lnR>
+                    <a:lnT>
+                      <a:noFill/>
+                    </a:lnT>
+                    <a:lnB>
+                      <a:noFill/>
+                    </a:lnB>
+                  </a:tcPr>
+                </a:tc>
+                <a:tc>
+                  <a:txBody>
+                    <a:bodyPr/>
+                    <a:lstStyle/>
+                    <a:p>
+                      <a:pPr algn="ctr">
+                        <a:lnSpc>
+                          <a:spcPct val="130000"/>
+                        </a:lnSpc>
+                        <a:spcAft>
+                          <a:spcPts val="0"/>
+                        </a:spcAft>
+                      </a:pPr>
+                      <a:r>
+                        <a:rPr lang="en-US" sz="1200" kern="100">
+                          <a:effectLst/>
+                          <a:latin typeface="Times New Roman" panose="02020603050405020304" pitchFamily="18" charset="0"/>
+                          <a:ea typeface="宋体" panose="02010600030101010101" pitchFamily="2" charset="-122"/>
+                          <a:cs typeface="Times New Roman" panose="02020603050405020304" pitchFamily="18" charset="0"/>
+                        </a:rPr>
+                        <a:t>FORTK</a:t>
+                      </a:r>
+                      <a:endParaRPr lang="zh-CN" sz="1200" kern="100">
+                        <a:effectLst/>
+                        <a:latin typeface="Times New Roman" panose="02020603050405020304" pitchFamily="18" charset="0"/>
+                        <a:ea typeface="宋体" panose="02010600030101010101" pitchFamily="2" charset="-122"/>
+                        <a:cs typeface="Times New Roman" panose="02020603050405020304" pitchFamily="18" charset="0"/>
+                      </a:endParaRPr>
+                    </a:p>
+                  </a:txBody>
+                  <a:tcPr marL="68580" marR="68580" marT="0" marB="0" anchor="ctr">
+                    <a:lnL>
+                      <a:noFill/>
+                    </a:lnL>
+                    <a:lnR w="12700" cap="flat" cmpd="sng" algn="ctr">
+                      <a:solidFill>
+                        <a:srgbClr val="000000"/>
+                      </a:solidFill>
+                      <a:prstDash val="solid"/>
+                      <a:round/>
+                      <a:headEnd type="none" w="med" len="med"/>
+                      <a:tailEnd type="none" w="med" len="med"/>
+                    </a:lnR>
+                    <a:lnT>
+                      <a:noFill/>
+                    </a:lnT>
+                    <a:lnB>
+                      <a:noFill/>
+                    </a:lnB>
+                  </a:tcPr>
+                </a:tc>
+                <a:tc>
+                  <a:txBody>
+                    <a:bodyPr/>
+                    <a:lstStyle/>
+                    <a:p>
+                      <a:pPr algn="ctr">
+                        <a:lnSpc>
+                          <a:spcPct val="130000"/>
+                        </a:lnSpc>
+                        <a:spcAft>
+                          <a:spcPts val="0"/>
+                        </a:spcAft>
+                      </a:pPr>
+                      <a:r>
+                        <a:rPr lang="en-US" sz="1200" kern="100">
+                          <a:effectLst/>
+                          <a:latin typeface="Times New Roman" panose="02020603050405020304" pitchFamily="18" charset="0"/>
+                          <a:ea typeface="宋体" panose="02010600030101010101" pitchFamily="2" charset="-122"/>
+                          <a:cs typeface="Times New Roman" panose="02020603050405020304" pitchFamily="18" charset="0"/>
+                        </a:rPr>
+                        <a:t>&gt; </a:t>
+                      </a:r>
+                      <a:endParaRPr lang="zh-CN" sz="1200" kern="100">
+                        <a:effectLst/>
+                        <a:latin typeface="Times New Roman" panose="02020603050405020304" pitchFamily="18" charset="0"/>
+                        <a:ea typeface="宋体" panose="02010600030101010101" pitchFamily="2" charset="-122"/>
+                        <a:cs typeface="Times New Roman" panose="02020603050405020304" pitchFamily="18" charset="0"/>
+                      </a:endParaRPr>
+                    </a:p>
+                  </a:txBody>
+                  <a:tcPr marL="68580" marR="68580" marT="0" marB="0" anchor="ctr">
+                    <a:lnL w="12700" cap="flat" cmpd="sng" algn="ctr">
+                      <a:solidFill>
+                        <a:srgbClr val="000000"/>
+                      </a:solidFill>
+                      <a:prstDash val="solid"/>
+                      <a:round/>
+                      <a:headEnd type="none" w="med" len="med"/>
+                      <a:tailEnd type="none" w="med" len="med"/>
+                    </a:lnL>
+                    <a:lnR>
+                      <a:noFill/>
+                    </a:lnR>
+                    <a:lnT>
+                      <a:noFill/>
+                    </a:lnT>
+                    <a:lnB>
+                      <a:noFill/>
+                    </a:lnB>
+                  </a:tcPr>
+                </a:tc>
+                <a:tc>
+                  <a:txBody>
+                    <a:bodyPr/>
+                    <a:lstStyle/>
+                    <a:p>
+                      <a:pPr algn="ctr">
+                        <a:lnSpc>
+                          <a:spcPct val="130000"/>
+                        </a:lnSpc>
+                        <a:spcAft>
+                          <a:spcPts val="0"/>
+                        </a:spcAft>
+                      </a:pPr>
+                      <a:r>
+                        <a:rPr lang="en-US" sz="1200" kern="100">
+                          <a:effectLst/>
+                          <a:latin typeface="Times New Roman" panose="02020603050405020304" pitchFamily="18" charset="0"/>
+                          <a:ea typeface="宋体" panose="02010600030101010101" pitchFamily="2" charset="-122"/>
+                          <a:cs typeface="Times New Roman" panose="02020603050405020304" pitchFamily="18" charset="0"/>
+                        </a:rPr>
+                        <a:t>GRE</a:t>
+                      </a:r>
+                      <a:endParaRPr lang="zh-CN" sz="1200" kern="100">
+                        <a:effectLst/>
+                        <a:latin typeface="Times New Roman" panose="02020603050405020304" pitchFamily="18" charset="0"/>
+                        <a:ea typeface="宋体" panose="02010600030101010101" pitchFamily="2" charset="-122"/>
+                        <a:cs typeface="Times New Roman" panose="02020603050405020304" pitchFamily="18" charset="0"/>
+                      </a:endParaRPr>
+                    </a:p>
+                  </a:txBody>
+                  <a:tcPr marL="68580" marR="68580" marT="0" marB="0" anchor="ctr">
+                    <a:lnL>
+                      <a:noFill/>
+                    </a:lnL>
+                    <a:lnR w="12700" cap="flat" cmpd="sng" algn="ctr">
+                      <a:solidFill>
+                        <a:srgbClr val="000000"/>
+                      </a:solidFill>
+                      <a:prstDash val="solid"/>
+                      <a:round/>
+                      <a:headEnd type="none" w="med" len="med"/>
+                      <a:tailEnd type="none" w="med" len="med"/>
+                    </a:lnR>
+                    <a:lnT>
+                      <a:noFill/>
+                    </a:lnT>
+                    <a:lnB>
+                      <a:noFill/>
+                    </a:lnB>
+                  </a:tcPr>
+                </a:tc>
+                <a:tc>
+                  <a:txBody>
+                    <a:bodyPr/>
+                    <a:lstStyle/>
+                    <a:p>
+                      <a:pPr algn="ctr">
+                        <a:lnSpc>
+                          <a:spcPct val="130000"/>
+                        </a:lnSpc>
+                        <a:spcAft>
+                          <a:spcPts val="0"/>
+                        </a:spcAft>
+                      </a:pPr>
+                      <a:r>
+                        <a:rPr lang="en-US" sz="1200" kern="100">
+                          <a:effectLst/>
+                          <a:latin typeface="Times New Roman" panose="02020603050405020304" pitchFamily="18" charset="0"/>
+                          <a:ea typeface="宋体" panose="02010600030101010101" pitchFamily="2" charset="-122"/>
+                          <a:cs typeface="Times New Roman" panose="02020603050405020304" pitchFamily="18" charset="0"/>
+                        </a:rPr>
+                        <a:t>[</a:t>
+                      </a:r>
+                      <a:endParaRPr lang="zh-CN" sz="1200" kern="100">
+                        <a:effectLst/>
+                        <a:latin typeface="Times New Roman" panose="02020603050405020304" pitchFamily="18" charset="0"/>
+                        <a:ea typeface="宋体" panose="02010600030101010101" pitchFamily="2" charset="-122"/>
+                        <a:cs typeface="Times New Roman" panose="02020603050405020304" pitchFamily="18" charset="0"/>
+                      </a:endParaRPr>
+                    </a:p>
+                  </a:txBody>
+                  <a:tcPr marL="68580" marR="68580" marT="0" marB="0" anchor="ctr">
+                    <a:lnL w="12700" cap="flat" cmpd="sng" algn="ctr">
+                      <a:solidFill>
+                        <a:srgbClr val="000000"/>
+                      </a:solidFill>
+                      <a:prstDash val="solid"/>
+                      <a:round/>
+                      <a:headEnd type="none" w="med" len="med"/>
+                      <a:tailEnd type="none" w="med" len="med"/>
+                    </a:lnL>
+                    <a:lnR>
+                      <a:noFill/>
+                    </a:lnR>
+                    <a:lnT>
+                      <a:noFill/>
+                    </a:lnT>
+                    <a:lnB>
+                      <a:noFill/>
+                    </a:lnB>
+                  </a:tcPr>
+                </a:tc>
+                <a:tc>
+                  <a:txBody>
+                    <a:bodyPr/>
+                    <a:lstStyle/>
+                    <a:p>
+                      <a:pPr algn="ctr">
+                        <a:lnSpc>
+                          <a:spcPct val="130000"/>
+                        </a:lnSpc>
+                        <a:spcAft>
+                          <a:spcPts val="0"/>
+                        </a:spcAft>
+                      </a:pPr>
+                      <a:r>
+                        <a:rPr lang="en-US" sz="1200" kern="100">
+                          <a:effectLst/>
+                          <a:latin typeface="Times New Roman" panose="02020603050405020304" pitchFamily="18" charset="0"/>
+                          <a:ea typeface="宋体" panose="02010600030101010101" pitchFamily="2" charset="-122"/>
+                          <a:cs typeface="Times New Roman" panose="02020603050405020304" pitchFamily="18" charset="0"/>
+                        </a:rPr>
+                        <a:t>LBRACK</a:t>
+                      </a:r>
+                      <a:endParaRPr lang="zh-CN" sz="1200" kern="100">
+                        <a:effectLst/>
+                        <a:latin typeface="Times New Roman" panose="02020603050405020304" pitchFamily="18" charset="0"/>
+                        <a:ea typeface="宋体" panose="02010600030101010101" pitchFamily="2" charset="-122"/>
+                        <a:cs typeface="Times New Roman" panose="02020603050405020304" pitchFamily="18" charset="0"/>
+                      </a:endParaRPr>
+                    </a:p>
+                  </a:txBody>
+                  <a:tcPr marL="68580" marR="68580" marT="0" marB="0" anchor="ctr">
+                    <a:lnL>
+                      <a:noFill/>
+                    </a:lnL>
+                    <a:lnR>
+                      <a:noFill/>
+                    </a:lnR>
+                    <a:lnT>
+                      <a:noFill/>
+                    </a:lnT>
+                    <a:lnB>
+                      <a:noFill/>
+                    </a:lnB>
+                  </a:tcPr>
+                </a:tc>
+                <a:extLst>
+                  <a:ext uri="{0D108BD9-81ED-4DB2-BD59-A6C34878D82A}">
+                    <a16:rowId xmlns:a16="http://schemas.microsoft.com/office/drawing/2014/main" val="2474033521"/>
+                  </a:ext>
+                </a:extLst>
+              </a:tr>
+              <a:tr h="284891">
+                <a:tc>
+                  <a:txBody>
+                    <a:bodyPr/>
+                    <a:lstStyle/>
+                    <a:p>
+                      <a:pPr algn="ctr">
+                        <a:lnSpc>
+                          <a:spcPct val="130000"/>
+                        </a:lnSpc>
+                        <a:spcAft>
+                          <a:spcPts val="0"/>
+                        </a:spcAft>
+                      </a:pPr>
+                      <a:r>
+                        <a:rPr lang="en-US" sz="1200" kern="100">
+                          <a:effectLst/>
+                          <a:latin typeface="Times New Roman" panose="02020603050405020304" pitchFamily="18" charset="0"/>
+                          <a:ea typeface="宋体" panose="02010600030101010101" pitchFamily="2" charset="-122"/>
+                          <a:cs typeface="Times New Roman" panose="02020603050405020304" pitchFamily="18" charset="0"/>
+                        </a:rPr>
+                        <a:t>char</a:t>
+                      </a:r>
+                      <a:endParaRPr lang="zh-CN" sz="1200" kern="100">
+                        <a:effectLst/>
+                        <a:latin typeface="Times New Roman" panose="02020603050405020304" pitchFamily="18" charset="0"/>
+                        <a:ea typeface="宋体" panose="02010600030101010101" pitchFamily="2" charset="-122"/>
+                        <a:cs typeface="Times New Roman" panose="02020603050405020304" pitchFamily="18" charset="0"/>
+                      </a:endParaRPr>
+                    </a:p>
+                  </a:txBody>
+                  <a:tcPr marL="68580" marR="68580" marT="0" marB="0" anchor="ctr">
+                    <a:lnL>
+                      <a:noFill/>
+                    </a:lnL>
+                    <a:lnR>
+                      <a:noFill/>
+                    </a:lnR>
+                    <a:lnT>
+                      <a:noFill/>
+                    </a:lnT>
+                    <a:lnB>
+                      <a:noFill/>
+                    </a:lnB>
+                  </a:tcPr>
+                </a:tc>
+                <a:tc>
+                  <a:txBody>
+                    <a:bodyPr/>
+                    <a:lstStyle/>
+                    <a:p>
+                      <a:pPr algn="ctr">
+                        <a:lnSpc>
+                          <a:spcPct val="130000"/>
+                        </a:lnSpc>
+                        <a:spcAft>
+                          <a:spcPts val="0"/>
+                        </a:spcAft>
+                      </a:pPr>
+                      <a:r>
+                        <a:rPr lang="en-US" sz="1200" kern="100">
+                          <a:effectLst/>
+                          <a:latin typeface="Times New Roman" panose="02020603050405020304" pitchFamily="18" charset="0"/>
+                          <a:ea typeface="宋体" panose="02010600030101010101" pitchFamily="2" charset="-122"/>
+                          <a:cs typeface="Times New Roman" panose="02020603050405020304" pitchFamily="18" charset="0"/>
+                        </a:rPr>
+                        <a:t>CHARTK</a:t>
+                      </a:r>
+                      <a:endParaRPr lang="zh-CN" sz="1200" kern="100">
+                        <a:effectLst/>
+                        <a:latin typeface="Times New Roman" panose="02020603050405020304" pitchFamily="18" charset="0"/>
+                        <a:ea typeface="宋体" panose="02010600030101010101" pitchFamily="2" charset="-122"/>
+                        <a:cs typeface="Times New Roman" panose="02020603050405020304" pitchFamily="18" charset="0"/>
+                      </a:endParaRPr>
+                    </a:p>
+                  </a:txBody>
+                  <a:tcPr marL="68580" marR="68580" marT="0" marB="0" anchor="ctr">
+                    <a:lnL>
+                      <a:noFill/>
+                    </a:lnL>
+                    <a:lnR w="12700" cap="flat" cmpd="sng" algn="ctr">
+                      <a:solidFill>
+                        <a:srgbClr val="000000"/>
+                      </a:solidFill>
+                      <a:prstDash val="solid"/>
+                      <a:round/>
+                      <a:headEnd type="none" w="med" len="med"/>
+                      <a:tailEnd type="none" w="med" len="med"/>
+                    </a:lnR>
+                    <a:lnT>
+                      <a:noFill/>
+                    </a:lnT>
+                    <a:lnB>
+                      <a:noFill/>
+                    </a:lnB>
+                  </a:tcPr>
+                </a:tc>
+                <a:tc>
+                  <a:txBody>
+                    <a:bodyPr/>
+                    <a:lstStyle/>
+                    <a:p>
+                      <a:pPr algn="ctr">
+                        <a:lnSpc>
+                          <a:spcPct val="130000"/>
+                        </a:lnSpc>
+                        <a:spcAft>
+                          <a:spcPts val="0"/>
+                        </a:spcAft>
+                      </a:pPr>
+                      <a:r>
+                        <a:rPr lang="en-US" sz="1200" kern="100">
+                          <a:effectLst/>
+                          <a:latin typeface="Times New Roman" panose="02020603050405020304" pitchFamily="18" charset="0"/>
+                          <a:ea typeface="宋体" panose="02010600030101010101" pitchFamily="2" charset="-122"/>
+                          <a:cs typeface="Times New Roman" panose="02020603050405020304" pitchFamily="18" charset="0"/>
+                        </a:rPr>
+                        <a:t>scanf</a:t>
+                      </a:r>
+                      <a:endParaRPr lang="zh-CN" sz="1200" kern="100">
+                        <a:effectLst/>
+                        <a:latin typeface="Times New Roman" panose="02020603050405020304" pitchFamily="18" charset="0"/>
+                        <a:ea typeface="宋体" panose="02010600030101010101" pitchFamily="2" charset="-122"/>
+                        <a:cs typeface="Times New Roman" panose="02020603050405020304" pitchFamily="18" charset="0"/>
+                      </a:endParaRPr>
+                    </a:p>
+                  </a:txBody>
+                  <a:tcPr marL="68580" marR="68580" marT="0" marB="0" anchor="ctr">
+                    <a:lnL w="12700" cap="flat" cmpd="sng" algn="ctr">
+                      <a:solidFill>
+                        <a:srgbClr val="000000"/>
+                      </a:solidFill>
+                      <a:prstDash val="solid"/>
+                      <a:round/>
+                      <a:headEnd type="none" w="med" len="med"/>
+                      <a:tailEnd type="none" w="med" len="med"/>
+                    </a:lnL>
+                    <a:lnR>
+                      <a:noFill/>
+                    </a:lnR>
+                    <a:lnT>
+                      <a:noFill/>
+                    </a:lnT>
+                    <a:lnB>
+                      <a:noFill/>
+                    </a:lnB>
+                  </a:tcPr>
+                </a:tc>
+                <a:tc>
+                  <a:txBody>
+                    <a:bodyPr/>
+                    <a:lstStyle/>
+                    <a:p>
+                      <a:pPr algn="ctr">
+                        <a:lnSpc>
+                          <a:spcPct val="130000"/>
+                        </a:lnSpc>
+                        <a:spcAft>
+                          <a:spcPts val="0"/>
+                        </a:spcAft>
+                      </a:pPr>
+                      <a:r>
+                        <a:rPr lang="en-US" sz="1200" kern="100">
+                          <a:effectLst/>
+                          <a:latin typeface="Times New Roman" panose="02020603050405020304" pitchFamily="18" charset="0"/>
+                          <a:ea typeface="宋体" panose="02010600030101010101" pitchFamily="2" charset="-122"/>
+                          <a:cs typeface="Times New Roman" panose="02020603050405020304" pitchFamily="18" charset="0"/>
+                        </a:rPr>
+                        <a:t>SCANFTK</a:t>
+                      </a:r>
+                      <a:endParaRPr lang="zh-CN" sz="1200" kern="100">
+                        <a:effectLst/>
+                        <a:latin typeface="Times New Roman" panose="02020603050405020304" pitchFamily="18" charset="0"/>
+                        <a:ea typeface="宋体" panose="02010600030101010101" pitchFamily="2" charset="-122"/>
+                        <a:cs typeface="Times New Roman" panose="02020603050405020304" pitchFamily="18" charset="0"/>
+                      </a:endParaRPr>
+                    </a:p>
+                  </a:txBody>
+                  <a:tcPr marL="68580" marR="68580" marT="0" marB="0" anchor="ctr">
+                    <a:lnL>
+                      <a:noFill/>
+                    </a:lnL>
+                    <a:lnR w="12700" cap="flat" cmpd="sng" algn="ctr">
+                      <a:solidFill>
+                        <a:srgbClr val="000000"/>
+                      </a:solidFill>
+                      <a:prstDash val="solid"/>
+                      <a:round/>
+                      <a:headEnd type="none" w="med" len="med"/>
+                      <a:tailEnd type="none" w="med" len="med"/>
+                    </a:lnR>
+                    <a:lnT>
+                      <a:noFill/>
+                    </a:lnT>
+                    <a:lnB>
+                      <a:noFill/>
+                    </a:lnB>
+                  </a:tcPr>
+                </a:tc>
+                <a:tc>
+                  <a:txBody>
+                    <a:bodyPr/>
+                    <a:lstStyle/>
+                    <a:p>
+                      <a:pPr algn="ctr">
+                        <a:lnSpc>
+                          <a:spcPct val="130000"/>
+                        </a:lnSpc>
+                        <a:spcAft>
+                          <a:spcPts val="0"/>
+                        </a:spcAft>
+                      </a:pPr>
+                      <a:r>
+                        <a:rPr lang="en-US" sz="1200" kern="100">
+                          <a:effectLst/>
+                          <a:latin typeface="Times New Roman" panose="02020603050405020304" pitchFamily="18" charset="0"/>
+                          <a:ea typeface="宋体" panose="02010600030101010101" pitchFamily="2" charset="-122"/>
+                          <a:cs typeface="Times New Roman" panose="02020603050405020304" pitchFamily="18" charset="0"/>
+                        </a:rPr>
+                        <a:t>&gt;=</a:t>
+                      </a:r>
+                      <a:endParaRPr lang="zh-CN" sz="1200" kern="100">
+                        <a:effectLst/>
+                        <a:latin typeface="Times New Roman" panose="02020603050405020304" pitchFamily="18" charset="0"/>
+                        <a:ea typeface="宋体" panose="02010600030101010101" pitchFamily="2" charset="-122"/>
+                        <a:cs typeface="Times New Roman" panose="02020603050405020304" pitchFamily="18" charset="0"/>
+                      </a:endParaRPr>
+                    </a:p>
+                  </a:txBody>
+                  <a:tcPr marL="68580" marR="68580" marT="0" marB="0" anchor="ctr">
+                    <a:lnL w="12700" cap="flat" cmpd="sng" algn="ctr">
+                      <a:solidFill>
+                        <a:srgbClr val="000000"/>
+                      </a:solidFill>
+                      <a:prstDash val="solid"/>
+                      <a:round/>
+                      <a:headEnd type="none" w="med" len="med"/>
+                      <a:tailEnd type="none" w="med" len="med"/>
+                    </a:lnL>
+                    <a:lnR>
+                      <a:noFill/>
+                    </a:lnR>
+                    <a:lnT>
+                      <a:noFill/>
+                    </a:lnT>
+                    <a:lnB>
+                      <a:noFill/>
+                    </a:lnB>
+                  </a:tcPr>
+                </a:tc>
+                <a:tc>
+                  <a:txBody>
+                    <a:bodyPr/>
+                    <a:lstStyle/>
+                    <a:p>
+                      <a:pPr algn="ctr">
+                        <a:lnSpc>
+                          <a:spcPct val="130000"/>
+                        </a:lnSpc>
+                        <a:spcAft>
+                          <a:spcPts val="0"/>
+                        </a:spcAft>
+                      </a:pPr>
+                      <a:r>
+                        <a:rPr lang="en-US" sz="1200" kern="100">
+                          <a:effectLst/>
+                          <a:latin typeface="Times New Roman" panose="02020603050405020304" pitchFamily="18" charset="0"/>
+                          <a:ea typeface="宋体" panose="02010600030101010101" pitchFamily="2" charset="-122"/>
+                          <a:cs typeface="Times New Roman" panose="02020603050405020304" pitchFamily="18" charset="0"/>
+                        </a:rPr>
+                        <a:t>GEQ</a:t>
+                      </a:r>
+                      <a:endParaRPr lang="zh-CN" sz="1200" kern="100">
+                        <a:effectLst/>
+                        <a:latin typeface="Times New Roman" panose="02020603050405020304" pitchFamily="18" charset="0"/>
+                        <a:ea typeface="宋体" panose="02010600030101010101" pitchFamily="2" charset="-122"/>
+                        <a:cs typeface="Times New Roman" panose="02020603050405020304" pitchFamily="18" charset="0"/>
+                      </a:endParaRPr>
+                    </a:p>
+                  </a:txBody>
+                  <a:tcPr marL="68580" marR="68580" marT="0" marB="0" anchor="ctr">
+                    <a:lnL>
+                      <a:noFill/>
+                    </a:lnL>
+                    <a:lnR w="12700" cap="flat" cmpd="sng" algn="ctr">
+                      <a:solidFill>
+                        <a:srgbClr val="000000"/>
+                      </a:solidFill>
+                      <a:prstDash val="solid"/>
+                      <a:round/>
+                      <a:headEnd type="none" w="med" len="med"/>
+                      <a:tailEnd type="none" w="med" len="med"/>
+                    </a:lnR>
+                    <a:lnT>
+                      <a:noFill/>
+                    </a:lnT>
+                    <a:lnB>
+                      <a:noFill/>
+                    </a:lnB>
+                  </a:tcPr>
+                </a:tc>
+                <a:tc>
+                  <a:txBody>
+                    <a:bodyPr/>
+                    <a:lstStyle/>
+                    <a:p>
+                      <a:pPr algn="ctr">
+                        <a:lnSpc>
+                          <a:spcPct val="130000"/>
+                        </a:lnSpc>
+                        <a:spcAft>
+                          <a:spcPts val="0"/>
+                        </a:spcAft>
+                      </a:pPr>
+                      <a:r>
+                        <a:rPr lang="en-US" sz="1200" kern="100">
+                          <a:effectLst/>
+                          <a:latin typeface="Times New Roman" panose="02020603050405020304" pitchFamily="18" charset="0"/>
+                          <a:ea typeface="宋体" panose="02010600030101010101" pitchFamily="2" charset="-122"/>
+                          <a:cs typeface="Times New Roman" panose="02020603050405020304" pitchFamily="18" charset="0"/>
+                        </a:rPr>
+                        <a:t>]</a:t>
+                      </a:r>
+                      <a:endParaRPr lang="zh-CN" sz="1200" kern="100">
+                        <a:effectLst/>
+                        <a:latin typeface="Times New Roman" panose="02020603050405020304" pitchFamily="18" charset="0"/>
+                        <a:ea typeface="宋体" panose="02010600030101010101" pitchFamily="2" charset="-122"/>
+                        <a:cs typeface="Times New Roman" panose="02020603050405020304" pitchFamily="18" charset="0"/>
+                      </a:endParaRPr>
+                    </a:p>
+                  </a:txBody>
+                  <a:tcPr marL="68580" marR="68580" marT="0" marB="0" anchor="ctr">
+                    <a:lnL w="12700" cap="flat" cmpd="sng" algn="ctr">
+                      <a:solidFill>
+                        <a:srgbClr val="000000"/>
+                      </a:solidFill>
+                      <a:prstDash val="solid"/>
+                      <a:round/>
+                      <a:headEnd type="none" w="med" len="med"/>
+                      <a:tailEnd type="none" w="med" len="med"/>
+                    </a:lnL>
+                    <a:lnR>
+                      <a:noFill/>
+                    </a:lnR>
+                    <a:lnT>
+                      <a:noFill/>
+                    </a:lnT>
+                    <a:lnB>
+                      <a:noFill/>
+                    </a:lnB>
+                  </a:tcPr>
+                </a:tc>
+                <a:tc>
+                  <a:txBody>
+                    <a:bodyPr/>
+                    <a:lstStyle/>
+                    <a:p>
+                      <a:pPr algn="ctr">
+                        <a:lnSpc>
+                          <a:spcPct val="130000"/>
+                        </a:lnSpc>
+                        <a:spcAft>
+                          <a:spcPts val="0"/>
+                        </a:spcAft>
+                      </a:pPr>
+                      <a:r>
+                        <a:rPr lang="en-US" sz="1200" kern="100">
+                          <a:effectLst/>
+                          <a:latin typeface="Times New Roman" panose="02020603050405020304" pitchFamily="18" charset="0"/>
+                          <a:ea typeface="宋体" panose="02010600030101010101" pitchFamily="2" charset="-122"/>
+                          <a:cs typeface="Times New Roman" panose="02020603050405020304" pitchFamily="18" charset="0"/>
+                        </a:rPr>
+                        <a:t>RBRACK</a:t>
+                      </a:r>
+                      <a:endParaRPr lang="zh-CN" sz="1200" kern="100">
+                        <a:effectLst/>
+                        <a:latin typeface="Times New Roman" panose="02020603050405020304" pitchFamily="18" charset="0"/>
+                        <a:ea typeface="宋体" panose="02010600030101010101" pitchFamily="2" charset="-122"/>
+                        <a:cs typeface="Times New Roman" panose="02020603050405020304" pitchFamily="18" charset="0"/>
+                      </a:endParaRPr>
+                    </a:p>
+                  </a:txBody>
+                  <a:tcPr marL="68580" marR="68580" marT="0" marB="0" anchor="ctr">
+                    <a:lnL>
+                      <a:noFill/>
+                    </a:lnL>
+                    <a:lnR>
+                      <a:noFill/>
+                    </a:lnR>
+                    <a:lnT>
+                      <a:noFill/>
+                    </a:lnT>
+                    <a:lnB>
+                      <a:noFill/>
+                    </a:lnB>
+                  </a:tcPr>
+                </a:tc>
+                <a:extLst>
+                  <a:ext uri="{0D108BD9-81ED-4DB2-BD59-A6C34878D82A}">
+                    <a16:rowId xmlns:a16="http://schemas.microsoft.com/office/drawing/2014/main" val="2050158158"/>
+                  </a:ext>
+                </a:extLst>
+              </a:tr>
+              <a:tr h="284891">
+                <a:tc>
+                  <a:txBody>
+                    <a:bodyPr/>
+                    <a:lstStyle/>
+                    <a:p>
+                      <a:pPr algn="ctr">
+                        <a:lnSpc>
+                          <a:spcPct val="130000"/>
+                        </a:lnSpc>
+                        <a:spcAft>
+                          <a:spcPts val="0"/>
+                        </a:spcAft>
+                      </a:pPr>
+                      <a:r>
+                        <a:rPr lang="en-US" sz="1200" kern="100">
+                          <a:effectLst/>
+                          <a:latin typeface="Times New Roman" panose="02020603050405020304" pitchFamily="18" charset="0"/>
+                          <a:ea typeface="宋体" panose="02010600030101010101" pitchFamily="2" charset="-122"/>
+                          <a:cs typeface="Times New Roman" panose="02020603050405020304" pitchFamily="18" charset="0"/>
+                        </a:rPr>
+                        <a:t>Void</a:t>
+                      </a:r>
+                      <a:endParaRPr lang="zh-CN" sz="1200" kern="100">
+                        <a:effectLst/>
+                        <a:latin typeface="Times New Roman" panose="02020603050405020304" pitchFamily="18" charset="0"/>
+                        <a:ea typeface="宋体" panose="02010600030101010101" pitchFamily="2" charset="-122"/>
+                        <a:cs typeface="Times New Roman" panose="02020603050405020304" pitchFamily="18" charset="0"/>
+                      </a:endParaRPr>
+                    </a:p>
+                  </a:txBody>
+                  <a:tcPr marL="68580" marR="68580" marT="0" marB="0" anchor="ctr">
+                    <a:lnL>
+                      <a:noFill/>
+                    </a:lnL>
+                    <a:lnR>
+                      <a:noFill/>
+                    </a:lnR>
+                    <a:lnT>
+                      <a:noFill/>
+                    </a:lnT>
+                    <a:lnB>
+                      <a:noFill/>
+                    </a:lnB>
+                  </a:tcPr>
+                </a:tc>
+                <a:tc>
+                  <a:txBody>
+                    <a:bodyPr/>
+                    <a:lstStyle/>
+                    <a:p>
+                      <a:pPr algn="ctr">
+                        <a:lnSpc>
+                          <a:spcPct val="130000"/>
+                        </a:lnSpc>
+                        <a:spcAft>
+                          <a:spcPts val="0"/>
+                        </a:spcAft>
+                      </a:pPr>
+                      <a:r>
+                        <a:rPr lang="en-US" sz="1200" kern="100">
+                          <a:effectLst/>
+                          <a:latin typeface="Times New Roman" panose="02020603050405020304" pitchFamily="18" charset="0"/>
+                          <a:ea typeface="宋体" panose="02010600030101010101" pitchFamily="2" charset="-122"/>
+                          <a:cs typeface="Times New Roman" panose="02020603050405020304" pitchFamily="18" charset="0"/>
+                        </a:rPr>
+                        <a:t>VOIDTK</a:t>
+                      </a:r>
+                      <a:endParaRPr lang="zh-CN" sz="1200" kern="100">
+                        <a:effectLst/>
+                        <a:latin typeface="Times New Roman" panose="02020603050405020304" pitchFamily="18" charset="0"/>
+                        <a:ea typeface="宋体" panose="02010600030101010101" pitchFamily="2" charset="-122"/>
+                        <a:cs typeface="Times New Roman" panose="02020603050405020304" pitchFamily="18" charset="0"/>
+                      </a:endParaRPr>
+                    </a:p>
+                  </a:txBody>
+                  <a:tcPr marL="68580" marR="68580" marT="0" marB="0" anchor="ctr">
+                    <a:lnL>
+                      <a:noFill/>
+                    </a:lnL>
+                    <a:lnR w="12700" cap="flat" cmpd="sng" algn="ctr">
+                      <a:solidFill>
+                        <a:srgbClr val="000000"/>
+                      </a:solidFill>
+                      <a:prstDash val="solid"/>
+                      <a:round/>
+                      <a:headEnd type="none" w="med" len="med"/>
+                      <a:tailEnd type="none" w="med" len="med"/>
+                    </a:lnR>
+                    <a:lnT>
+                      <a:noFill/>
+                    </a:lnT>
+                    <a:lnB>
+                      <a:noFill/>
+                    </a:lnB>
+                  </a:tcPr>
+                </a:tc>
+                <a:tc>
+                  <a:txBody>
+                    <a:bodyPr/>
+                    <a:lstStyle/>
+                    <a:p>
+                      <a:pPr algn="ctr">
+                        <a:lnSpc>
+                          <a:spcPct val="130000"/>
+                        </a:lnSpc>
+                        <a:spcAft>
+                          <a:spcPts val="0"/>
+                        </a:spcAft>
+                      </a:pPr>
+                      <a:r>
+                        <a:rPr lang="en-US" sz="1200" kern="100">
+                          <a:effectLst/>
+                          <a:latin typeface="Times New Roman" panose="02020603050405020304" pitchFamily="18" charset="0"/>
+                          <a:ea typeface="宋体" panose="02010600030101010101" pitchFamily="2" charset="-122"/>
+                          <a:cs typeface="Times New Roman" panose="02020603050405020304" pitchFamily="18" charset="0"/>
+                        </a:rPr>
+                        <a:t>printf</a:t>
+                      </a:r>
+                      <a:endParaRPr lang="zh-CN" sz="1200" kern="100">
+                        <a:effectLst/>
+                        <a:latin typeface="Times New Roman" panose="02020603050405020304" pitchFamily="18" charset="0"/>
+                        <a:ea typeface="宋体" panose="02010600030101010101" pitchFamily="2" charset="-122"/>
+                        <a:cs typeface="Times New Roman" panose="02020603050405020304" pitchFamily="18" charset="0"/>
+                      </a:endParaRPr>
+                    </a:p>
+                  </a:txBody>
+                  <a:tcPr marL="68580" marR="68580" marT="0" marB="0" anchor="ctr">
+                    <a:lnL w="12700" cap="flat" cmpd="sng" algn="ctr">
+                      <a:solidFill>
+                        <a:srgbClr val="000000"/>
+                      </a:solidFill>
+                      <a:prstDash val="solid"/>
+                      <a:round/>
+                      <a:headEnd type="none" w="med" len="med"/>
+                      <a:tailEnd type="none" w="med" len="med"/>
+                    </a:lnL>
+                    <a:lnR>
+                      <a:noFill/>
+                    </a:lnR>
+                    <a:lnT>
+                      <a:noFill/>
+                    </a:lnT>
+                    <a:lnB>
+                      <a:noFill/>
+                    </a:lnB>
+                  </a:tcPr>
+                </a:tc>
+                <a:tc>
+                  <a:txBody>
+                    <a:bodyPr/>
+                    <a:lstStyle/>
+                    <a:p>
+                      <a:pPr algn="ctr">
+                        <a:lnSpc>
+                          <a:spcPct val="130000"/>
+                        </a:lnSpc>
+                        <a:spcAft>
+                          <a:spcPts val="0"/>
+                        </a:spcAft>
+                      </a:pPr>
+                      <a:r>
+                        <a:rPr lang="en-US" sz="1200" kern="100">
+                          <a:effectLst/>
+                          <a:latin typeface="Times New Roman" panose="02020603050405020304" pitchFamily="18" charset="0"/>
+                          <a:ea typeface="宋体" panose="02010600030101010101" pitchFamily="2" charset="-122"/>
+                          <a:cs typeface="Times New Roman" panose="02020603050405020304" pitchFamily="18" charset="0"/>
+                        </a:rPr>
+                        <a:t>PRINTFTK</a:t>
+                      </a:r>
+                      <a:endParaRPr lang="zh-CN" sz="1200" kern="100">
+                        <a:effectLst/>
+                        <a:latin typeface="Times New Roman" panose="02020603050405020304" pitchFamily="18" charset="0"/>
+                        <a:ea typeface="宋体" panose="02010600030101010101" pitchFamily="2" charset="-122"/>
+                        <a:cs typeface="Times New Roman" panose="02020603050405020304" pitchFamily="18" charset="0"/>
+                      </a:endParaRPr>
+                    </a:p>
+                  </a:txBody>
+                  <a:tcPr marL="68580" marR="68580" marT="0" marB="0" anchor="ctr">
+                    <a:lnL>
+                      <a:noFill/>
+                    </a:lnL>
+                    <a:lnR w="12700" cap="flat" cmpd="sng" algn="ctr">
+                      <a:solidFill>
+                        <a:srgbClr val="000000"/>
+                      </a:solidFill>
+                      <a:prstDash val="solid"/>
+                      <a:round/>
+                      <a:headEnd type="none" w="med" len="med"/>
+                      <a:tailEnd type="none" w="med" len="med"/>
+                    </a:lnR>
+                    <a:lnT>
+                      <a:noFill/>
+                    </a:lnT>
+                    <a:lnB>
+                      <a:noFill/>
+                    </a:lnB>
+                  </a:tcPr>
+                </a:tc>
+                <a:tc>
+                  <a:txBody>
+                    <a:bodyPr/>
+                    <a:lstStyle/>
+                    <a:p>
+                      <a:pPr algn="ctr">
+                        <a:lnSpc>
+                          <a:spcPct val="130000"/>
+                        </a:lnSpc>
+                        <a:spcAft>
+                          <a:spcPts val="0"/>
+                        </a:spcAft>
+                      </a:pPr>
+                      <a:r>
+                        <a:rPr lang="en-US" sz="1200" kern="100">
+                          <a:effectLst/>
+                          <a:latin typeface="Times New Roman" panose="02020603050405020304" pitchFamily="18" charset="0"/>
+                          <a:ea typeface="宋体" panose="02010600030101010101" pitchFamily="2" charset="-122"/>
+                          <a:cs typeface="Times New Roman" panose="02020603050405020304" pitchFamily="18" charset="0"/>
+                        </a:rPr>
+                        <a:t>==</a:t>
+                      </a:r>
+                      <a:endParaRPr lang="zh-CN" sz="1200" kern="100">
+                        <a:effectLst/>
+                        <a:latin typeface="Times New Roman" panose="02020603050405020304" pitchFamily="18" charset="0"/>
+                        <a:ea typeface="宋体" panose="02010600030101010101" pitchFamily="2" charset="-122"/>
+                        <a:cs typeface="Times New Roman" panose="02020603050405020304" pitchFamily="18" charset="0"/>
+                      </a:endParaRPr>
+                    </a:p>
+                  </a:txBody>
+                  <a:tcPr marL="68580" marR="68580" marT="0" marB="0" anchor="ctr">
+                    <a:lnL w="12700" cap="flat" cmpd="sng" algn="ctr">
+                      <a:solidFill>
+                        <a:srgbClr val="000000"/>
+                      </a:solidFill>
+                      <a:prstDash val="solid"/>
+                      <a:round/>
+                      <a:headEnd type="none" w="med" len="med"/>
+                      <a:tailEnd type="none" w="med" len="med"/>
+                    </a:lnL>
+                    <a:lnR>
+                      <a:noFill/>
+                    </a:lnR>
+                    <a:lnT>
+                      <a:noFill/>
+                    </a:lnT>
+                    <a:lnB>
+                      <a:noFill/>
+                    </a:lnB>
+                  </a:tcPr>
+                </a:tc>
+                <a:tc>
+                  <a:txBody>
+                    <a:bodyPr/>
+                    <a:lstStyle/>
+                    <a:p>
+                      <a:pPr algn="ctr">
+                        <a:lnSpc>
+                          <a:spcPct val="130000"/>
+                        </a:lnSpc>
+                        <a:spcAft>
+                          <a:spcPts val="0"/>
+                        </a:spcAft>
+                      </a:pPr>
+                      <a:r>
+                        <a:rPr lang="en-US" sz="1200" kern="100">
+                          <a:effectLst/>
+                          <a:latin typeface="Times New Roman" panose="02020603050405020304" pitchFamily="18" charset="0"/>
+                          <a:ea typeface="宋体" panose="02010600030101010101" pitchFamily="2" charset="-122"/>
+                          <a:cs typeface="Times New Roman" panose="02020603050405020304" pitchFamily="18" charset="0"/>
+                        </a:rPr>
+                        <a:t>EQL</a:t>
+                      </a:r>
+                      <a:endParaRPr lang="zh-CN" sz="1200" kern="100">
+                        <a:effectLst/>
+                        <a:latin typeface="Times New Roman" panose="02020603050405020304" pitchFamily="18" charset="0"/>
+                        <a:ea typeface="宋体" panose="02010600030101010101" pitchFamily="2" charset="-122"/>
+                        <a:cs typeface="Times New Roman" panose="02020603050405020304" pitchFamily="18" charset="0"/>
+                      </a:endParaRPr>
+                    </a:p>
+                  </a:txBody>
+                  <a:tcPr marL="68580" marR="68580" marT="0" marB="0" anchor="ctr">
+                    <a:lnL>
+                      <a:noFill/>
+                    </a:lnL>
+                    <a:lnR w="12700" cap="flat" cmpd="sng" algn="ctr">
+                      <a:solidFill>
+                        <a:srgbClr val="000000"/>
+                      </a:solidFill>
+                      <a:prstDash val="solid"/>
+                      <a:round/>
+                      <a:headEnd type="none" w="med" len="med"/>
+                      <a:tailEnd type="none" w="med" len="med"/>
+                    </a:lnR>
+                    <a:lnT>
+                      <a:noFill/>
+                    </a:lnT>
+                    <a:lnB>
+                      <a:noFill/>
+                    </a:lnB>
+                  </a:tcPr>
+                </a:tc>
+                <a:tc>
+                  <a:txBody>
+                    <a:bodyPr/>
+                    <a:lstStyle/>
+                    <a:p>
+                      <a:pPr algn="ctr">
+                        <a:lnSpc>
+                          <a:spcPct val="130000"/>
+                        </a:lnSpc>
+                        <a:spcAft>
+                          <a:spcPts val="0"/>
+                        </a:spcAft>
+                      </a:pPr>
+                      <a:r>
+                        <a:rPr lang="en-US" sz="1200" kern="100">
+                          <a:effectLst/>
+                          <a:latin typeface="Times New Roman" panose="02020603050405020304" pitchFamily="18" charset="0"/>
+                          <a:ea typeface="宋体" panose="02010600030101010101" pitchFamily="2" charset="-122"/>
+                          <a:cs typeface="Times New Roman" panose="02020603050405020304" pitchFamily="18" charset="0"/>
+                        </a:rPr>
+                        <a:t>{</a:t>
+                      </a:r>
+                      <a:endParaRPr lang="zh-CN" sz="1200" kern="100">
+                        <a:effectLst/>
+                        <a:latin typeface="Times New Roman" panose="02020603050405020304" pitchFamily="18" charset="0"/>
+                        <a:ea typeface="宋体" panose="02010600030101010101" pitchFamily="2" charset="-122"/>
+                        <a:cs typeface="Times New Roman" panose="02020603050405020304" pitchFamily="18" charset="0"/>
+                      </a:endParaRPr>
+                    </a:p>
+                  </a:txBody>
+                  <a:tcPr marL="68580" marR="68580" marT="0" marB="0" anchor="ctr">
+                    <a:lnL w="12700" cap="flat" cmpd="sng" algn="ctr">
+                      <a:solidFill>
+                        <a:srgbClr val="000000"/>
+                      </a:solidFill>
+                      <a:prstDash val="solid"/>
+                      <a:round/>
+                      <a:headEnd type="none" w="med" len="med"/>
+                      <a:tailEnd type="none" w="med" len="med"/>
+                    </a:lnL>
+                    <a:lnR>
+                      <a:noFill/>
+                    </a:lnR>
+                    <a:lnT>
+                      <a:noFill/>
+                    </a:lnT>
+                    <a:lnB>
+                      <a:noFill/>
+                    </a:lnB>
+                  </a:tcPr>
+                </a:tc>
+                <a:tc>
+                  <a:txBody>
+                    <a:bodyPr/>
+                    <a:lstStyle/>
+                    <a:p>
+                      <a:pPr algn="ctr">
+                        <a:lnSpc>
+                          <a:spcPct val="130000"/>
+                        </a:lnSpc>
+                        <a:spcAft>
+                          <a:spcPts val="0"/>
+                        </a:spcAft>
+                      </a:pPr>
+                      <a:r>
+                        <a:rPr lang="en-US" sz="1200" kern="100">
+                          <a:effectLst/>
+                          <a:latin typeface="Times New Roman" panose="02020603050405020304" pitchFamily="18" charset="0"/>
+                          <a:ea typeface="宋体" panose="02010600030101010101" pitchFamily="2" charset="-122"/>
+                          <a:cs typeface="Times New Roman" panose="02020603050405020304" pitchFamily="18" charset="0"/>
+                        </a:rPr>
+                        <a:t>LBRACK</a:t>
+                      </a:r>
+                      <a:endParaRPr lang="zh-CN" sz="1200" kern="100">
+                        <a:effectLst/>
+                        <a:latin typeface="Times New Roman" panose="02020603050405020304" pitchFamily="18" charset="0"/>
+                        <a:ea typeface="宋体" panose="02010600030101010101" pitchFamily="2" charset="-122"/>
+                        <a:cs typeface="Times New Roman" panose="02020603050405020304" pitchFamily="18" charset="0"/>
+                      </a:endParaRPr>
+                    </a:p>
+                  </a:txBody>
+                  <a:tcPr marL="68580" marR="68580" marT="0" marB="0" anchor="ctr">
+                    <a:lnL>
+                      <a:noFill/>
+                    </a:lnL>
+                    <a:lnR>
+                      <a:noFill/>
+                    </a:lnR>
+                    <a:lnT>
+                      <a:noFill/>
+                    </a:lnT>
+                    <a:lnB>
+                      <a:noFill/>
+                    </a:lnB>
+                  </a:tcPr>
+                </a:tc>
+                <a:extLst>
+                  <a:ext uri="{0D108BD9-81ED-4DB2-BD59-A6C34878D82A}">
+                    <a16:rowId xmlns:a16="http://schemas.microsoft.com/office/drawing/2014/main" val="2112921951"/>
+                  </a:ext>
+                </a:extLst>
+              </a:tr>
+              <a:tr h="284891">
+                <a:tc>
+                  <a:txBody>
+                    <a:bodyPr/>
+                    <a:lstStyle/>
+                    <a:p>
+                      <a:pPr algn="ctr">
+                        <a:lnSpc>
+                          <a:spcPct val="130000"/>
+                        </a:lnSpc>
+                        <a:spcAft>
+                          <a:spcPts val="0"/>
+                        </a:spcAft>
+                      </a:pPr>
+                      <a:r>
+                        <a:rPr lang="en-US" sz="1200" kern="100">
+                          <a:effectLst/>
+                          <a:latin typeface="Times New Roman" panose="02020603050405020304" pitchFamily="18" charset="0"/>
+                          <a:ea typeface="宋体" panose="02010600030101010101" pitchFamily="2" charset="-122"/>
+                          <a:cs typeface="Times New Roman" panose="02020603050405020304" pitchFamily="18" charset="0"/>
+                        </a:rPr>
+                        <a:t>Main</a:t>
+                      </a:r>
+                      <a:endParaRPr lang="zh-CN" sz="1200" kern="100">
+                        <a:effectLst/>
+                        <a:latin typeface="Times New Roman" panose="02020603050405020304" pitchFamily="18" charset="0"/>
+                        <a:ea typeface="宋体" panose="02010600030101010101" pitchFamily="2" charset="-122"/>
+                        <a:cs typeface="Times New Roman" panose="02020603050405020304" pitchFamily="18" charset="0"/>
+                      </a:endParaRPr>
+                    </a:p>
+                  </a:txBody>
+                  <a:tcPr marL="68580" marR="68580" marT="0" marB="0" anchor="ctr">
+                    <a:lnL>
+                      <a:noFill/>
+                    </a:lnL>
+                    <a:lnR>
+                      <a:noFill/>
+                    </a:lnR>
+                    <a:lnT>
+                      <a:noFill/>
+                    </a:lnT>
+                    <a:lnB>
+                      <a:noFill/>
+                    </a:lnB>
+                  </a:tcPr>
+                </a:tc>
+                <a:tc>
+                  <a:txBody>
+                    <a:bodyPr/>
+                    <a:lstStyle/>
+                    <a:p>
+                      <a:pPr algn="ctr">
+                        <a:lnSpc>
+                          <a:spcPct val="130000"/>
+                        </a:lnSpc>
+                        <a:spcAft>
+                          <a:spcPts val="0"/>
+                        </a:spcAft>
+                      </a:pPr>
+                      <a:r>
+                        <a:rPr lang="en-US" sz="1200" kern="100">
+                          <a:effectLst/>
+                          <a:latin typeface="Times New Roman" panose="02020603050405020304" pitchFamily="18" charset="0"/>
+                          <a:ea typeface="宋体" panose="02010600030101010101" pitchFamily="2" charset="-122"/>
+                          <a:cs typeface="Times New Roman" panose="02020603050405020304" pitchFamily="18" charset="0"/>
+                        </a:rPr>
+                        <a:t>MAINTK</a:t>
+                      </a:r>
+                      <a:endParaRPr lang="zh-CN" sz="1200" kern="100">
+                        <a:effectLst/>
+                        <a:latin typeface="Times New Roman" panose="02020603050405020304" pitchFamily="18" charset="0"/>
+                        <a:ea typeface="宋体" panose="02010600030101010101" pitchFamily="2" charset="-122"/>
+                        <a:cs typeface="Times New Roman" panose="02020603050405020304" pitchFamily="18" charset="0"/>
+                      </a:endParaRPr>
+                    </a:p>
+                  </a:txBody>
+                  <a:tcPr marL="68580" marR="68580" marT="0" marB="0" anchor="ctr">
+                    <a:lnL>
+                      <a:noFill/>
+                    </a:lnL>
+                    <a:lnR w="12700" cap="flat" cmpd="sng" algn="ctr">
+                      <a:solidFill>
+                        <a:srgbClr val="000000"/>
+                      </a:solidFill>
+                      <a:prstDash val="solid"/>
+                      <a:round/>
+                      <a:headEnd type="none" w="med" len="med"/>
+                      <a:tailEnd type="none" w="med" len="med"/>
+                    </a:lnR>
+                    <a:lnT>
+                      <a:noFill/>
+                    </a:lnT>
+                    <a:lnB>
+                      <a:noFill/>
+                    </a:lnB>
+                  </a:tcPr>
+                </a:tc>
+                <a:tc>
+                  <a:txBody>
+                    <a:bodyPr/>
+                    <a:lstStyle/>
+                    <a:p>
+                      <a:pPr algn="ctr">
+                        <a:lnSpc>
+                          <a:spcPct val="130000"/>
+                        </a:lnSpc>
+                        <a:spcAft>
+                          <a:spcPts val="0"/>
+                        </a:spcAft>
+                      </a:pPr>
+                      <a:r>
+                        <a:rPr lang="en-US" sz="1200" kern="100">
+                          <a:effectLst/>
+                          <a:latin typeface="Times New Roman" panose="02020603050405020304" pitchFamily="18" charset="0"/>
+                          <a:ea typeface="宋体" panose="02010600030101010101" pitchFamily="2" charset="-122"/>
+                          <a:cs typeface="Times New Roman" panose="02020603050405020304" pitchFamily="18" charset="0"/>
+                        </a:rPr>
+                        <a:t>return</a:t>
+                      </a:r>
+                      <a:endParaRPr lang="zh-CN" sz="1200" kern="100">
+                        <a:effectLst/>
+                        <a:latin typeface="Times New Roman" panose="02020603050405020304" pitchFamily="18" charset="0"/>
+                        <a:ea typeface="宋体" panose="02010600030101010101" pitchFamily="2" charset="-122"/>
+                        <a:cs typeface="Times New Roman" panose="02020603050405020304" pitchFamily="18" charset="0"/>
+                      </a:endParaRPr>
+                    </a:p>
+                  </a:txBody>
+                  <a:tcPr marL="68580" marR="68580" marT="0" marB="0" anchor="ctr">
+                    <a:lnL w="12700" cap="flat" cmpd="sng" algn="ctr">
+                      <a:solidFill>
+                        <a:srgbClr val="000000"/>
+                      </a:solidFill>
+                      <a:prstDash val="solid"/>
+                      <a:round/>
+                      <a:headEnd type="none" w="med" len="med"/>
+                      <a:tailEnd type="none" w="med" len="med"/>
+                    </a:lnL>
+                    <a:lnR>
+                      <a:noFill/>
+                    </a:lnR>
+                    <a:lnT>
+                      <a:noFill/>
+                    </a:lnT>
+                    <a:lnB>
+                      <a:noFill/>
+                    </a:lnB>
+                  </a:tcPr>
+                </a:tc>
+                <a:tc>
+                  <a:txBody>
+                    <a:bodyPr/>
+                    <a:lstStyle/>
+                    <a:p>
+                      <a:pPr algn="ctr">
+                        <a:lnSpc>
+                          <a:spcPct val="130000"/>
+                        </a:lnSpc>
+                        <a:spcAft>
+                          <a:spcPts val="0"/>
+                        </a:spcAft>
+                      </a:pPr>
+                      <a:r>
+                        <a:rPr lang="en-US" sz="1200" kern="100">
+                          <a:effectLst/>
+                          <a:latin typeface="Times New Roman" panose="02020603050405020304" pitchFamily="18" charset="0"/>
+                          <a:ea typeface="宋体" panose="02010600030101010101" pitchFamily="2" charset="-122"/>
+                          <a:cs typeface="Times New Roman" panose="02020603050405020304" pitchFamily="18" charset="0"/>
+                        </a:rPr>
+                        <a:t>RETURNTK</a:t>
+                      </a:r>
+                      <a:endParaRPr lang="zh-CN" sz="1200" kern="100">
+                        <a:effectLst/>
+                        <a:latin typeface="Times New Roman" panose="02020603050405020304" pitchFamily="18" charset="0"/>
+                        <a:ea typeface="宋体" panose="02010600030101010101" pitchFamily="2" charset="-122"/>
+                        <a:cs typeface="Times New Roman" panose="02020603050405020304" pitchFamily="18" charset="0"/>
+                      </a:endParaRPr>
+                    </a:p>
+                  </a:txBody>
+                  <a:tcPr marL="68580" marR="68580" marT="0" marB="0" anchor="ctr">
+                    <a:lnL>
+                      <a:noFill/>
+                    </a:lnL>
+                    <a:lnR w="12700" cap="flat" cmpd="sng" algn="ctr">
+                      <a:solidFill>
+                        <a:srgbClr val="000000"/>
+                      </a:solidFill>
+                      <a:prstDash val="solid"/>
+                      <a:round/>
+                      <a:headEnd type="none" w="med" len="med"/>
+                      <a:tailEnd type="none" w="med" len="med"/>
+                    </a:lnR>
+                    <a:lnT>
+                      <a:noFill/>
+                    </a:lnT>
+                    <a:lnB>
+                      <a:noFill/>
+                    </a:lnB>
+                  </a:tcPr>
+                </a:tc>
+                <a:tc>
+                  <a:txBody>
+                    <a:bodyPr/>
+                    <a:lstStyle/>
+                    <a:p>
+                      <a:pPr algn="ctr">
+                        <a:lnSpc>
+                          <a:spcPct val="130000"/>
+                        </a:lnSpc>
+                        <a:spcAft>
+                          <a:spcPts val="0"/>
+                        </a:spcAft>
+                      </a:pPr>
+                      <a:r>
+                        <a:rPr lang="en-US" sz="1200" kern="100">
+                          <a:effectLst/>
+                          <a:latin typeface="Times New Roman" panose="02020603050405020304" pitchFamily="18" charset="0"/>
+                          <a:ea typeface="宋体" panose="02010600030101010101" pitchFamily="2" charset="-122"/>
+                          <a:cs typeface="Times New Roman" panose="02020603050405020304" pitchFamily="18" charset="0"/>
+                        </a:rPr>
+                        <a:t>!=</a:t>
+                      </a:r>
+                      <a:endParaRPr lang="zh-CN" sz="1200" kern="100">
+                        <a:effectLst/>
+                        <a:latin typeface="Times New Roman" panose="02020603050405020304" pitchFamily="18" charset="0"/>
+                        <a:ea typeface="宋体" panose="02010600030101010101" pitchFamily="2" charset="-122"/>
+                        <a:cs typeface="Times New Roman" panose="02020603050405020304" pitchFamily="18" charset="0"/>
+                      </a:endParaRPr>
+                    </a:p>
+                  </a:txBody>
+                  <a:tcPr marL="68580" marR="68580" marT="0" marB="0" anchor="ctr">
+                    <a:lnL w="12700" cap="flat" cmpd="sng" algn="ctr">
+                      <a:solidFill>
+                        <a:srgbClr val="000000"/>
+                      </a:solidFill>
+                      <a:prstDash val="solid"/>
+                      <a:round/>
+                      <a:headEnd type="none" w="med" len="med"/>
+                      <a:tailEnd type="none" w="med" len="med"/>
+                    </a:lnL>
+                    <a:lnR>
+                      <a:noFill/>
+                    </a:lnR>
+                    <a:lnT>
+                      <a:noFill/>
+                    </a:lnT>
+                    <a:lnB>
+                      <a:noFill/>
+                    </a:lnB>
+                  </a:tcPr>
+                </a:tc>
+                <a:tc>
+                  <a:txBody>
+                    <a:bodyPr/>
+                    <a:lstStyle/>
+                    <a:p>
+                      <a:pPr algn="ctr">
+                        <a:lnSpc>
+                          <a:spcPct val="130000"/>
+                        </a:lnSpc>
+                        <a:spcAft>
+                          <a:spcPts val="0"/>
+                        </a:spcAft>
+                      </a:pPr>
+                      <a:r>
+                        <a:rPr lang="en-US" sz="1200" kern="100">
+                          <a:effectLst/>
+                          <a:latin typeface="Times New Roman" panose="02020603050405020304" pitchFamily="18" charset="0"/>
+                          <a:ea typeface="宋体" panose="02010600030101010101" pitchFamily="2" charset="-122"/>
+                          <a:cs typeface="Times New Roman" panose="02020603050405020304" pitchFamily="18" charset="0"/>
+                        </a:rPr>
+                        <a:t>NEQ</a:t>
+                      </a:r>
+                      <a:endParaRPr lang="zh-CN" sz="1200" kern="100">
+                        <a:effectLst/>
+                        <a:latin typeface="Times New Roman" panose="02020603050405020304" pitchFamily="18" charset="0"/>
+                        <a:ea typeface="宋体" panose="02010600030101010101" pitchFamily="2" charset="-122"/>
+                        <a:cs typeface="Times New Roman" panose="02020603050405020304" pitchFamily="18" charset="0"/>
+                      </a:endParaRPr>
+                    </a:p>
+                  </a:txBody>
+                  <a:tcPr marL="68580" marR="68580" marT="0" marB="0" anchor="ctr">
+                    <a:lnL>
+                      <a:noFill/>
+                    </a:lnL>
+                    <a:lnR w="12700" cap="flat" cmpd="sng" algn="ctr">
+                      <a:solidFill>
+                        <a:srgbClr val="000000"/>
+                      </a:solidFill>
+                      <a:prstDash val="solid"/>
+                      <a:round/>
+                      <a:headEnd type="none" w="med" len="med"/>
+                      <a:tailEnd type="none" w="med" len="med"/>
+                    </a:lnR>
+                    <a:lnT>
+                      <a:noFill/>
+                    </a:lnT>
+                    <a:lnB>
+                      <a:noFill/>
+                    </a:lnB>
+                  </a:tcPr>
+                </a:tc>
+                <a:tc>
+                  <a:txBody>
+                    <a:bodyPr/>
+                    <a:lstStyle/>
+                    <a:p>
+                      <a:pPr algn="ctr">
+                        <a:lnSpc>
+                          <a:spcPct val="130000"/>
+                        </a:lnSpc>
+                        <a:spcAft>
+                          <a:spcPts val="0"/>
+                        </a:spcAft>
+                      </a:pPr>
+                      <a:r>
+                        <a:rPr lang="en-US" sz="1200" kern="100">
+                          <a:effectLst/>
+                          <a:latin typeface="Times New Roman" panose="02020603050405020304" pitchFamily="18" charset="0"/>
+                          <a:ea typeface="宋体" panose="02010600030101010101" pitchFamily="2" charset="-122"/>
+                          <a:cs typeface="Times New Roman" panose="02020603050405020304" pitchFamily="18" charset="0"/>
+                        </a:rPr>
+                        <a:t>}</a:t>
+                      </a:r>
+                      <a:endParaRPr lang="zh-CN" sz="1200" kern="100">
+                        <a:effectLst/>
+                        <a:latin typeface="Times New Roman" panose="02020603050405020304" pitchFamily="18" charset="0"/>
+                        <a:ea typeface="宋体" panose="02010600030101010101" pitchFamily="2" charset="-122"/>
+                        <a:cs typeface="Times New Roman" panose="02020603050405020304" pitchFamily="18" charset="0"/>
+                      </a:endParaRPr>
+                    </a:p>
+                  </a:txBody>
+                  <a:tcPr marL="68580" marR="68580" marT="0" marB="0" anchor="ctr">
+                    <a:lnL w="12700" cap="flat" cmpd="sng" algn="ctr">
+                      <a:solidFill>
+                        <a:srgbClr val="000000"/>
+                      </a:solidFill>
+                      <a:prstDash val="solid"/>
+                      <a:round/>
+                      <a:headEnd type="none" w="med" len="med"/>
+                      <a:tailEnd type="none" w="med" len="med"/>
+                    </a:lnL>
+                    <a:lnR>
+                      <a:noFill/>
+                    </a:lnR>
+                    <a:lnT>
+                      <a:noFill/>
+                    </a:lnT>
+                    <a:lnB>
+                      <a:noFill/>
+                    </a:lnB>
+                  </a:tcPr>
+                </a:tc>
+                <a:tc>
+                  <a:txBody>
+                    <a:bodyPr/>
+                    <a:lstStyle/>
+                    <a:p>
+                      <a:pPr algn="ctr">
+                        <a:lnSpc>
+                          <a:spcPct val="130000"/>
+                        </a:lnSpc>
+                        <a:spcAft>
+                          <a:spcPts val="0"/>
+                        </a:spcAft>
+                      </a:pPr>
+                      <a:r>
+                        <a:rPr lang="en-US" sz="1200" kern="100">
+                          <a:effectLst/>
+                          <a:latin typeface="Times New Roman" panose="02020603050405020304" pitchFamily="18" charset="0"/>
+                          <a:ea typeface="宋体" panose="02010600030101010101" pitchFamily="2" charset="-122"/>
+                          <a:cs typeface="Times New Roman" panose="02020603050405020304" pitchFamily="18" charset="0"/>
+                        </a:rPr>
+                        <a:t>RBRACK</a:t>
+                      </a:r>
+                      <a:endParaRPr lang="zh-CN" sz="1200" kern="100">
+                        <a:effectLst/>
+                        <a:latin typeface="Times New Roman" panose="02020603050405020304" pitchFamily="18" charset="0"/>
+                        <a:ea typeface="宋体" panose="02010600030101010101" pitchFamily="2" charset="-122"/>
+                        <a:cs typeface="Times New Roman" panose="02020603050405020304" pitchFamily="18" charset="0"/>
+                      </a:endParaRPr>
+                    </a:p>
+                  </a:txBody>
+                  <a:tcPr marL="68580" marR="68580" marT="0" marB="0" anchor="ctr">
+                    <a:lnL>
+                      <a:noFill/>
+                    </a:lnL>
+                    <a:lnR>
+                      <a:noFill/>
+                    </a:lnR>
+                    <a:lnT>
+                      <a:noFill/>
+                    </a:lnT>
+                    <a:lnB>
+                      <a:noFill/>
+                    </a:lnB>
+                  </a:tcPr>
+                </a:tc>
+                <a:extLst>
+                  <a:ext uri="{0D108BD9-81ED-4DB2-BD59-A6C34878D82A}">
+                    <a16:rowId xmlns:a16="http://schemas.microsoft.com/office/drawing/2014/main" val="2687281370"/>
+                  </a:ext>
+                </a:extLst>
+              </a:tr>
+              <a:tr h="284891">
+                <a:tc>
+                  <a:txBody>
+                    <a:bodyPr/>
+                    <a:lstStyle/>
+                    <a:p>
+                      <a:pPr algn="ctr">
+                        <a:lnSpc>
+                          <a:spcPct val="130000"/>
+                        </a:lnSpc>
+                        <a:spcAft>
+                          <a:spcPts val="0"/>
+                        </a:spcAft>
+                      </a:pPr>
+                      <a:r>
+                        <a:rPr lang="en-US" sz="1200" kern="100">
+                          <a:effectLst/>
+                          <a:latin typeface="Times New Roman" panose="02020603050405020304" pitchFamily="18" charset="0"/>
+                          <a:ea typeface="宋体" panose="02010600030101010101" pitchFamily="2" charset="-122"/>
+                          <a:cs typeface="Times New Roman" panose="02020603050405020304" pitchFamily="18" charset="0"/>
+                        </a:rPr>
+                        <a:t>if</a:t>
+                      </a:r>
+                      <a:endParaRPr lang="zh-CN" sz="1200" kern="100">
+                        <a:effectLst/>
+                        <a:latin typeface="Times New Roman" panose="02020603050405020304" pitchFamily="18" charset="0"/>
+                        <a:ea typeface="宋体" panose="02010600030101010101" pitchFamily="2" charset="-122"/>
+                        <a:cs typeface="Times New Roman" panose="02020603050405020304" pitchFamily="18" charset="0"/>
+                      </a:endParaRPr>
+                    </a:p>
+                  </a:txBody>
+                  <a:tcPr marL="68580" marR="68580" marT="0" marB="0" anchor="ctr">
+                    <a:lnL>
+                      <a:noFill/>
+                    </a:lnL>
+                    <a:lnR>
+                      <a:noFill/>
+                    </a:lnR>
+                    <a:lnT>
+                      <a:noFill/>
+                    </a:lnT>
+                    <a:lnB w="19050" cap="flat" cmpd="sng" algn="ctr">
+                      <a:solidFill>
+                        <a:srgbClr val="000000"/>
+                      </a:solidFill>
+                      <a:prstDash val="solid"/>
+                      <a:round/>
+                      <a:headEnd type="none" w="med" len="med"/>
+                      <a:tailEnd type="none" w="med" len="med"/>
+                    </a:lnB>
+                  </a:tcPr>
+                </a:tc>
+                <a:tc>
+                  <a:txBody>
+                    <a:bodyPr/>
+                    <a:lstStyle/>
+                    <a:p>
+                      <a:pPr algn="ctr">
+                        <a:lnSpc>
+                          <a:spcPct val="130000"/>
+                        </a:lnSpc>
+                        <a:spcAft>
+                          <a:spcPts val="0"/>
+                        </a:spcAft>
+                      </a:pPr>
+                      <a:r>
+                        <a:rPr lang="en-US" sz="1200" kern="100">
+                          <a:effectLst/>
+                          <a:latin typeface="Times New Roman" panose="02020603050405020304" pitchFamily="18" charset="0"/>
+                          <a:ea typeface="宋体" panose="02010600030101010101" pitchFamily="2" charset="-122"/>
+                          <a:cs typeface="Times New Roman" panose="02020603050405020304" pitchFamily="18" charset="0"/>
+                        </a:rPr>
+                        <a:t>IFTK</a:t>
+                      </a:r>
+                      <a:endParaRPr lang="zh-CN" sz="1200" kern="100">
+                        <a:effectLst/>
+                        <a:latin typeface="Times New Roman" panose="02020603050405020304" pitchFamily="18" charset="0"/>
+                        <a:ea typeface="宋体" panose="02010600030101010101" pitchFamily="2" charset="-122"/>
+                        <a:cs typeface="Times New Roman" panose="02020603050405020304" pitchFamily="18" charset="0"/>
+                      </a:endParaRPr>
+                    </a:p>
+                  </a:txBody>
+                  <a:tcPr marL="68580" marR="68580" marT="0" marB="0" anchor="ctr">
+                    <a:lnL>
+                      <a:noFill/>
+                    </a:lnL>
+                    <a:lnR w="12700" cap="flat" cmpd="sng" algn="ctr">
+                      <a:solidFill>
+                        <a:srgbClr val="000000"/>
+                      </a:solidFill>
+                      <a:prstDash val="solid"/>
+                      <a:round/>
+                      <a:headEnd type="none" w="med" len="med"/>
+                      <a:tailEnd type="none" w="med" len="med"/>
+                    </a:lnR>
+                    <a:lnT>
+                      <a:noFill/>
+                    </a:lnT>
+                    <a:lnB w="19050" cap="flat" cmpd="sng" algn="ctr">
+                      <a:solidFill>
+                        <a:srgbClr val="000000"/>
+                      </a:solidFill>
+                      <a:prstDash val="solid"/>
+                      <a:round/>
+                      <a:headEnd type="none" w="med" len="med"/>
+                      <a:tailEnd type="none" w="med" len="med"/>
+                    </a:lnB>
+                  </a:tcPr>
+                </a:tc>
+                <a:tc>
+                  <a:txBody>
+                    <a:bodyPr/>
+                    <a:lstStyle/>
+                    <a:p>
+                      <a:pPr algn="ctr">
+                        <a:lnSpc>
+                          <a:spcPct val="130000"/>
+                        </a:lnSpc>
+                        <a:spcAft>
+                          <a:spcPts val="0"/>
+                        </a:spcAft>
+                      </a:pPr>
+                      <a:r>
+                        <a:rPr lang="en-US" sz="1200" kern="100">
+                          <a:effectLst/>
+                          <a:latin typeface="Times New Roman" panose="02020603050405020304" pitchFamily="18" charset="0"/>
+                          <a:ea typeface="宋体" panose="02010600030101010101" pitchFamily="2" charset="-122"/>
+                          <a:cs typeface="Times New Roman" panose="02020603050405020304" pitchFamily="18" charset="0"/>
+                        </a:rPr>
+                        <a:t>+</a:t>
+                      </a:r>
+                      <a:endParaRPr lang="zh-CN" sz="1200" kern="100">
+                        <a:effectLst/>
+                        <a:latin typeface="Times New Roman" panose="02020603050405020304" pitchFamily="18" charset="0"/>
+                        <a:ea typeface="宋体" panose="02010600030101010101" pitchFamily="2" charset="-122"/>
+                        <a:cs typeface="Times New Roman" panose="02020603050405020304" pitchFamily="18" charset="0"/>
+                      </a:endParaRPr>
+                    </a:p>
+                  </a:txBody>
+                  <a:tcPr marL="68580" marR="68580" marT="0" marB="0" anchor="ctr">
+                    <a:lnL w="12700" cap="flat" cmpd="sng" algn="ctr">
+                      <a:solidFill>
+                        <a:srgbClr val="000000"/>
+                      </a:solidFill>
+                      <a:prstDash val="solid"/>
+                      <a:round/>
+                      <a:headEnd type="none" w="med" len="med"/>
+                      <a:tailEnd type="none" w="med" len="med"/>
+                    </a:lnL>
+                    <a:lnR>
+                      <a:noFill/>
+                    </a:lnR>
+                    <a:lnT>
+                      <a:noFill/>
+                    </a:lnT>
+                    <a:lnB w="19050" cap="flat" cmpd="sng" algn="ctr">
+                      <a:solidFill>
+                        <a:srgbClr val="000000"/>
+                      </a:solidFill>
+                      <a:prstDash val="solid"/>
+                      <a:round/>
+                      <a:headEnd type="none" w="med" len="med"/>
+                      <a:tailEnd type="none" w="med" len="med"/>
+                    </a:lnB>
+                  </a:tcPr>
+                </a:tc>
+                <a:tc>
+                  <a:txBody>
+                    <a:bodyPr/>
+                    <a:lstStyle/>
+                    <a:p>
+                      <a:pPr algn="ctr">
+                        <a:lnSpc>
+                          <a:spcPct val="130000"/>
+                        </a:lnSpc>
+                        <a:spcAft>
+                          <a:spcPts val="0"/>
+                        </a:spcAft>
+                      </a:pPr>
+                      <a:r>
+                        <a:rPr lang="en-US" sz="1200" kern="100">
+                          <a:effectLst/>
+                          <a:latin typeface="Times New Roman" panose="02020603050405020304" pitchFamily="18" charset="0"/>
+                          <a:ea typeface="宋体" panose="02010600030101010101" pitchFamily="2" charset="-122"/>
+                          <a:cs typeface="Times New Roman" panose="02020603050405020304" pitchFamily="18" charset="0"/>
+                        </a:rPr>
+                        <a:t>PLUSE</a:t>
+                      </a:r>
+                      <a:endParaRPr lang="zh-CN" sz="1200" kern="100">
+                        <a:effectLst/>
+                        <a:latin typeface="Times New Roman" panose="02020603050405020304" pitchFamily="18" charset="0"/>
+                        <a:ea typeface="宋体" panose="02010600030101010101" pitchFamily="2" charset="-122"/>
+                        <a:cs typeface="Times New Roman" panose="02020603050405020304" pitchFamily="18" charset="0"/>
+                      </a:endParaRPr>
+                    </a:p>
+                  </a:txBody>
+                  <a:tcPr marL="68580" marR="68580" marT="0" marB="0" anchor="ctr">
+                    <a:lnL>
+                      <a:noFill/>
+                    </a:lnL>
+                    <a:lnR w="12700" cap="flat" cmpd="sng" algn="ctr">
+                      <a:solidFill>
+                        <a:srgbClr val="000000"/>
+                      </a:solidFill>
+                      <a:prstDash val="solid"/>
+                      <a:round/>
+                      <a:headEnd type="none" w="med" len="med"/>
+                      <a:tailEnd type="none" w="med" len="med"/>
+                    </a:lnR>
+                    <a:lnT>
+                      <a:noFill/>
+                    </a:lnT>
+                    <a:lnB w="19050" cap="flat" cmpd="sng" algn="ctr">
+                      <a:solidFill>
+                        <a:srgbClr val="000000"/>
+                      </a:solidFill>
+                      <a:prstDash val="solid"/>
+                      <a:round/>
+                      <a:headEnd type="none" w="med" len="med"/>
+                      <a:tailEnd type="none" w="med" len="med"/>
+                    </a:lnB>
+                  </a:tcPr>
+                </a:tc>
+                <a:tc>
+                  <a:txBody>
+                    <a:bodyPr/>
+                    <a:lstStyle/>
+                    <a:p>
+                      <a:pPr algn="ctr">
+                        <a:lnSpc>
+                          <a:spcPct val="130000"/>
+                        </a:lnSpc>
+                        <a:spcAft>
+                          <a:spcPts val="0"/>
+                        </a:spcAft>
+                      </a:pPr>
+                      <a:r>
+                        <a:rPr lang="en-US" sz="1200" kern="100">
+                          <a:effectLst/>
+                          <a:latin typeface="Times New Roman" panose="02020603050405020304" pitchFamily="18" charset="0"/>
+                          <a:ea typeface="宋体" panose="02010600030101010101" pitchFamily="2" charset="-122"/>
+                          <a:cs typeface="Times New Roman" panose="02020603050405020304" pitchFamily="18" charset="0"/>
+                        </a:rPr>
+                        <a:t>:</a:t>
+                      </a:r>
+                      <a:endParaRPr lang="zh-CN" sz="1200" kern="100">
+                        <a:effectLst/>
+                        <a:latin typeface="Times New Roman" panose="02020603050405020304" pitchFamily="18" charset="0"/>
+                        <a:ea typeface="宋体" panose="02010600030101010101" pitchFamily="2" charset="-122"/>
+                        <a:cs typeface="Times New Roman" panose="02020603050405020304" pitchFamily="18" charset="0"/>
+                      </a:endParaRPr>
+                    </a:p>
+                  </a:txBody>
+                  <a:tcPr marL="68580" marR="68580" marT="0" marB="0" anchor="ctr">
+                    <a:lnL w="12700" cap="flat" cmpd="sng" algn="ctr">
+                      <a:solidFill>
+                        <a:srgbClr val="000000"/>
+                      </a:solidFill>
+                      <a:prstDash val="solid"/>
+                      <a:round/>
+                      <a:headEnd type="none" w="med" len="med"/>
+                      <a:tailEnd type="none" w="med" len="med"/>
+                    </a:lnL>
+                    <a:lnR>
+                      <a:noFill/>
+                    </a:lnR>
+                    <a:lnT>
+                      <a:noFill/>
+                    </a:lnT>
+                    <a:lnB w="19050" cap="flat" cmpd="sng" algn="ctr">
+                      <a:solidFill>
+                        <a:srgbClr val="000000"/>
+                      </a:solidFill>
+                      <a:prstDash val="solid"/>
+                      <a:round/>
+                      <a:headEnd type="none" w="med" len="med"/>
+                      <a:tailEnd type="none" w="med" len="med"/>
+                    </a:lnB>
+                  </a:tcPr>
+                </a:tc>
+                <a:tc>
+                  <a:txBody>
+                    <a:bodyPr/>
+                    <a:lstStyle/>
+                    <a:p>
+                      <a:pPr algn="ctr">
+                        <a:lnSpc>
+                          <a:spcPct val="130000"/>
+                        </a:lnSpc>
+                        <a:spcAft>
+                          <a:spcPts val="0"/>
+                        </a:spcAft>
+                      </a:pPr>
+                      <a:r>
+                        <a:rPr lang="en-US" sz="1200" kern="100">
+                          <a:effectLst/>
+                          <a:latin typeface="Times New Roman" panose="02020603050405020304" pitchFamily="18" charset="0"/>
+                          <a:ea typeface="宋体" panose="02010600030101010101" pitchFamily="2" charset="-122"/>
+                          <a:cs typeface="Times New Roman" panose="02020603050405020304" pitchFamily="18" charset="0"/>
+                        </a:rPr>
+                        <a:t>COLON</a:t>
+                      </a:r>
+                      <a:endParaRPr lang="zh-CN" sz="1200" kern="100">
+                        <a:effectLst/>
+                        <a:latin typeface="Times New Roman" panose="02020603050405020304" pitchFamily="18" charset="0"/>
+                        <a:ea typeface="宋体" panose="02010600030101010101" pitchFamily="2" charset="-122"/>
+                        <a:cs typeface="Times New Roman" panose="02020603050405020304" pitchFamily="18" charset="0"/>
+                      </a:endParaRPr>
+                    </a:p>
+                  </a:txBody>
+                  <a:tcPr marL="68580" marR="68580" marT="0" marB="0" anchor="ctr">
+                    <a:lnL>
+                      <a:noFill/>
+                    </a:lnL>
+                    <a:lnR w="12700" cap="flat" cmpd="sng" algn="ctr">
+                      <a:solidFill>
+                        <a:srgbClr val="000000"/>
+                      </a:solidFill>
+                      <a:prstDash val="solid"/>
+                      <a:round/>
+                      <a:headEnd type="none" w="med" len="med"/>
+                      <a:tailEnd type="none" w="med" len="med"/>
+                    </a:lnR>
+                    <a:lnT>
+                      <a:noFill/>
+                    </a:lnT>
+                    <a:lnB w="19050" cap="flat" cmpd="sng" algn="ctr">
+                      <a:solidFill>
+                        <a:srgbClr val="000000"/>
+                      </a:solidFill>
+                      <a:prstDash val="solid"/>
+                      <a:round/>
+                      <a:headEnd type="none" w="med" len="med"/>
+                      <a:tailEnd type="none" w="med" len="med"/>
+                    </a:lnB>
+                  </a:tcPr>
+                </a:tc>
+                <a:tc>
+                  <a:txBody>
+                    <a:bodyPr/>
+                    <a:lstStyle/>
+                    <a:p>
+                      <a:pPr algn="ctr">
+                        <a:lnSpc>
+                          <a:spcPct val="130000"/>
+                        </a:lnSpc>
+                        <a:spcAft>
+                          <a:spcPts val="0"/>
+                        </a:spcAft>
+                      </a:pPr>
+                      <a:r>
+                        <a:rPr lang="en-US" sz="1200" kern="100">
+                          <a:effectLst/>
+                          <a:latin typeface="Times New Roman" panose="02020603050405020304" pitchFamily="18" charset="0"/>
+                          <a:ea typeface="宋体" panose="02010600030101010101" pitchFamily="2" charset="-122"/>
+                          <a:cs typeface="Times New Roman" panose="02020603050405020304" pitchFamily="18" charset="0"/>
+                        </a:rPr>
+                        <a:t> </a:t>
+                      </a:r>
+                      <a:endParaRPr lang="zh-CN" sz="1200" kern="100">
+                        <a:effectLst/>
+                        <a:latin typeface="Times New Roman" panose="02020603050405020304" pitchFamily="18" charset="0"/>
+                        <a:ea typeface="宋体" panose="02010600030101010101" pitchFamily="2" charset="-122"/>
+                        <a:cs typeface="Times New Roman" panose="02020603050405020304" pitchFamily="18" charset="0"/>
+                      </a:endParaRPr>
+                    </a:p>
+                  </a:txBody>
+                  <a:tcPr marL="68580" marR="68580" marT="0" marB="0" anchor="ctr">
+                    <a:lnL w="12700" cap="flat" cmpd="sng" algn="ctr">
+                      <a:solidFill>
+                        <a:srgbClr val="000000"/>
+                      </a:solidFill>
+                      <a:prstDash val="solid"/>
+                      <a:round/>
+                      <a:headEnd type="none" w="med" len="med"/>
+                      <a:tailEnd type="none" w="med" len="med"/>
+                    </a:lnL>
+                    <a:lnR>
+                      <a:noFill/>
+                    </a:lnR>
+                    <a:lnT>
+                      <a:noFill/>
+                    </a:lnT>
+                    <a:lnB w="19050" cap="flat" cmpd="sng" algn="ctr">
+                      <a:solidFill>
+                        <a:srgbClr val="000000"/>
+                      </a:solidFill>
+                      <a:prstDash val="solid"/>
+                      <a:round/>
+                      <a:headEnd type="none" w="med" len="med"/>
+                      <a:tailEnd type="none" w="med" len="med"/>
+                    </a:lnB>
+                  </a:tcPr>
+                </a:tc>
+                <a:tc>
+                  <a:txBody>
+                    <a:bodyPr/>
+                    <a:lstStyle/>
+                    <a:p>
+                      <a:pPr algn="ctr">
+                        <a:lnSpc>
+                          <a:spcPct val="130000"/>
+                        </a:lnSpc>
+                        <a:spcAft>
+                          <a:spcPts val="0"/>
+                        </a:spcAft>
+                      </a:pPr>
+                      <a:r>
+                        <a:rPr lang="en-US" sz="1200" kern="100" dirty="0">
+                          <a:effectLst/>
+                          <a:latin typeface="Times New Roman" panose="02020603050405020304" pitchFamily="18" charset="0"/>
+                          <a:ea typeface="宋体" panose="02010600030101010101" pitchFamily="2" charset="-122"/>
+                          <a:cs typeface="Times New Roman" panose="02020603050405020304" pitchFamily="18" charset="0"/>
+                        </a:rPr>
+                        <a:t> </a:t>
+                      </a:r>
+                      <a:endParaRPr lang="zh-CN" sz="1200" kern="100" dirty="0">
+                        <a:effectLst/>
+                        <a:latin typeface="Times New Roman" panose="02020603050405020304" pitchFamily="18" charset="0"/>
+                        <a:ea typeface="宋体" panose="02010600030101010101" pitchFamily="2" charset="-122"/>
+                        <a:cs typeface="Times New Roman" panose="02020603050405020304" pitchFamily="18" charset="0"/>
+                      </a:endParaRPr>
+                    </a:p>
+                  </a:txBody>
+                  <a:tcPr marL="68580" marR="68580" marT="0" marB="0" anchor="ctr">
+                    <a:lnL>
+                      <a:noFill/>
+                    </a:lnL>
+                    <a:lnR>
+                      <a:noFill/>
+                    </a:lnR>
+                    <a:lnT>
+                      <a:noFill/>
+                    </a:lnT>
+                    <a:lnB w="19050" cap="flat" cmpd="sng" algn="ctr">
+                      <a:solidFill>
+                        <a:srgbClr val="000000"/>
+                      </a:solidFill>
+                      <a:prstDash val="solid"/>
+                      <a:round/>
+                      <a:headEnd type="none" w="med" len="med"/>
+                      <a:tailEnd type="none" w="med" len="med"/>
+                    </a:lnB>
+                  </a:tcPr>
+                </a:tc>
+                <a:extLst>
+                  <a:ext uri="{0D108BD9-81ED-4DB2-BD59-A6C34878D82A}">
+                    <a16:rowId xmlns:a16="http://schemas.microsoft.com/office/drawing/2014/main" val="3553035738"/>
+                  </a:ext>
+                </a:extLst>
+              </a:tr>
+            </a:tbl>
+          </a:graphicData>
+        </a:graphic>
+      </p:graphicFrame>
     </p:spTree>
     <p:extLst>
       <p:ext uri="{BB962C8B-B14F-4D97-AF65-F5344CB8AC3E}">
@@ -23969,7 +28630,7 @@
                 <a:cs typeface="+mn-ea"/>
                 <a:sym typeface="+mn-lt"/>
               </a:rPr>
-              <a:t>编译结果逐步输出</a:t>
+              <a:t>编译结果分步输出</a:t>
             </a:r>
           </a:p>
         </p:txBody>
@@ -31182,7 +35843,7 @@
             </a:r>
             <a:r>
               <a:rPr lang="zh-CN" altLang="en-US" dirty="0"/>
-              <a:t>对应的不同的子程序，建立相应的符号表和语义分析</a:t>
+              <a:t>对应的不同的子程序，建立相应的符号表及语义分析</a:t>
             </a:r>
             <a:r>
               <a:rPr lang="zh-CN" altLang="zh-CN" dirty="0"/>
@@ -31214,8 +35875,8 @@
               <a:t>作为内部表示形式，最终生成目标代码，也就是</a:t>
             </a:r>
             <a:r>
-              <a:rPr lang="en-US" altLang="zh-CN" dirty="0" err="1"/>
-              <a:t>Mpis</a:t>
+              <a:rPr lang="en-US" altLang="zh-CN"/>
+              <a:t>Mips</a:t>
             </a:r>
             <a:r>
               <a:rPr lang="zh-CN" altLang="zh-CN" dirty="0"/>
